--- a/DistributedTracing/ObservabilityMadeEasyWithOTelAndDotNet6.pptx
+++ b/DistributedTracing/ObservabilityMadeEasyWithOTelAndDotNet6.pptx
@@ -5,17 +5,21 @@
     <p:sldMasterId id="2147483648" r:id="rId1"/>
   </p:sldMasterIdLst>
   <p:notesMasterIdLst>
-    <p:notesMasterId r:id="rId10"/>
+    <p:notesMasterId r:id="rId14"/>
   </p:notesMasterIdLst>
   <p:sldIdLst>
     <p:sldId id="292" r:id="rId2"/>
     <p:sldId id="294" r:id="rId3"/>
     <p:sldId id="295" r:id="rId4"/>
-    <p:sldId id="293" r:id="rId5"/>
-    <p:sldId id="289" r:id="rId6"/>
-    <p:sldId id="288" r:id="rId7"/>
-    <p:sldId id="291" r:id="rId8"/>
-    <p:sldId id="286" r:id="rId9"/>
+    <p:sldId id="296" r:id="rId5"/>
+    <p:sldId id="282" r:id="rId6"/>
+    <p:sldId id="283" r:id="rId7"/>
+    <p:sldId id="284" r:id="rId8"/>
+    <p:sldId id="293" r:id="rId9"/>
+    <p:sldId id="289" r:id="rId10"/>
+    <p:sldId id="288" r:id="rId11"/>
+    <p:sldId id="291" r:id="rId12"/>
+    <p:sldId id="286" r:id="rId13"/>
   </p:sldIdLst>
   <p:sldSz cx="12192000" cy="6858000"/>
   <p:notesSz cx="6858000" cy="9144000"/>
@@ -204,7 +208,7 @@
           <a:p>
             <a:fld id="{BA11CBBD-FCCC-4341-9A07-9341F6C54581}" type="datetimeFigureOut">
               <a:rPr lang="en-US" smtClean="0"/>
-              <a:t>8/5/2022</a:t>
+              <a:t>1/11/2023</a:t>
             </a:fld>
             <a:endParaRPr lang="en-US"/>
           </a:p>
@@ -605,15 +609,16 @@
           <a:lstStyle/>
           <a:p>
             <a:r>
-              <a:rPr lang="en-US" dirty="0"/>
-              <a:t>Observability lets us understand a system from the outside</a:t>
-            </a:r>
-          </a:p>
-          <a:p>
-            <a:r>
-              <a:rPr lang="en-US" dirty="0"/>
-              <a:t>Allows us to easily troubleshoot and handle </a:t>
-            </a:r>
+              <a:rPr lang="en-US" b="0" i="0" dirty="0">
+                <a:solidFill>
+                  <a:srgbClr val="222222"/>
+                </a:solidFill>
+                <a:effectLst/>
+                <a:latin typeface="-apple-system"/>
+              </a:rPr>
+              <a:t>Observability lets us understand a system from the outside, by letting us ask questions about that system without knowing its inner workings.</a:t>
+            </a:r>
+            <a:endParaRPr lang="en-US" dirty="0"/>
           </a:p>
         </p:txBody>
       </p:sp>
@@ -634,7 +639,7 @@
           <a:p>
             <a:fld id="{97856D82-A927-4CCE-B899-0E7A70652ABD}" type="slidenum">
               <a:rPr lang="en-US" smtClean="0"/>
-              <a:t>3</a:t>
+              <a:t>2</a:t>
             </a:fld>
             <a:endParaRPr lang="en-US"/>
           </a:p>
@@ -643,7 +648,7 @@
     </p:spTree>
     <p:extLst>
       <p:ext uri="{BB962C8B-B14F-4D97-AF65-F5344CB8AC3E}">
-        <p14:creationId xmlns:p14="http://schemas.microsoft.com/office/powerpoint/2010/main" val="492187044"/>
+        <p14:creationId xmlns:p14="http://schemas.microsoft.com/office/powerpoint/2010/main" val="536832097"/>
       </p:ext>
     </p:extLst>
   </p:cSld>
@@ -680,12 +685,7 @@
             <p:ph type="sldImg"/>
           </p:nvPr>
         </p:nvSpPr>
-        <p:spPr>
-          <a:xfrm>
-            <a:off x="381000" y="685800"/>
-            <a:ext cx="6096000" cy="3429000"/>
-          </a:xfrm>
-        </p:spPr>
+        <p:spPr/>
       </p:sp>
       <p:sp>
         <p:nvSpPr>
@@ -702,6 +702,302 @@
           <a:bodyPr/>
           <a:lstStyle/>
           <a:p>
+            <a:r>
+              <a:rPr lang="en-US" dirty="0"/>
+              <a:t>Observability lets us understand a system from the outside</a:t>
+            </a:r>
+          </a:p>
+          <a:p>
+            <a:r>
+              <a:rPr lang="en-US" dirty="0"/>
+              <a:t>Allows us to easily troubleshoot and handle </a:t>
+            </a:r>
+          </a:p>
+        </p:txBody>
+      </p:sp>
+      <p:sp>
+        <p:nvSpPr>
+          <p:cNvPr id="4" name="Slide Number Placeholder 3"/>
+          <p:cNvSpPr>
+            <a:spLocks noGrp="1"/>
+          </p:cNvSpPr>
+          <p:nvPr>
+            <p:ph type="sldNum" sz="quarter" idx="5"/>
+          </p:nvPr>
+        </p:nvSpPr>
+        <p:spPr/>
+        <p:txBody>
+          <a:bodyPr/>
+          <a:lstStyle/>
+          <a:p>
+            <a:fld id="{97856D82-A927-4CCE-B899-0E7A70652ABD}" type="slidenum">
+              <a:rPr lang="en-US" smtClean="0"/>
+              <a:t>3</a:t>
+            </a:fld>
+            <a:endParaRPr lang="en-US"/>
+          </a:p>
+        </p:txBody>
+      </p:sp>
+    </p:spTree>
+    <p:extLst>
+      <p:ext uri="{BB962C8B-B14F-4D97-AF65-F5344CB8AC3E}">
+        <p14:creationId xmlns:p14="http://schemas.microsoft.com/office/powerpoint/2010/main" val="492187044"/>
+      </p:ext>
+    </p:extLst>
+  </p:cSld>
+  <p:clrMapOvr>
+    <a:masterClrMapping/>
+  </p:clrMapOvr>
+</p:notes>
+</file>
+
+<file path=ppt/notesSlides/notesSlide4.xml><?xml version="1.0" encoding="utf-8"?>
+<p:notes xmlns:a="http://schemas.openxmlformats.org/drawingml/2006/main" xmlns:r="http://schemas.openxmlformats.org/officeDocument/2006/relationships" xmlns:p="http://schemas.openxmlformats.org/presentationml/2006/main">
+  <p:cSld>
+    <p:spTree>
+      <p:nvGrpSpPr>
+        <p:cNvPr id="1" name=""/>
+        <p:cNvGrpSpPr/>
+        <p:nvPr/>
+      </p:nvGrpSpPr>
+      <p:grpSpPr>
+        <a:xfrm>
+          <a:off x="0" y="0"/>
+          <a:ext cx="0" cy="0"/>
+          <a:chOff x="0" y="0"/>
+          <a:chExt cx="0" cy="0"/>
+        </a:xfrm>
+      </p:grpSpPr>
+      <p:sp>
+        <p:nvSpPr>
+          <p:cNvPr id="2" name="Slide Image Placeholder 1"/>
+          <p:cNvSpPr>
+            <a:spLocks noGrp="1" noRot="1" noChangeAspect="1"/>
+          </p:cNvSpPr>
+          <p:nvPr>
+            <p:ph type="sldImg"/>
+          </p:nvPr>
+        </p:nvSpPr>
+        <p:spPr/>
+      </p:sp>
+      <p:sp>
+        <p:nvSpPr>
+          <p:cNvPr id="3" name="Notes Placeholder 2"/>
+          <p:cNvSpPr>
+            <a:spLocks noGrp="1"/>
+          </p:cNvSpPr>
+          <p:nvPr>
+            <p:ph type="body" idx="1"/>
+          </p:nvPr>
+        </p:nvSpPr>
+        <p:spPr/>
+        <p:txBody>
+          <a:bodyPr/>
+          <a:lstStyle/>
+          <a:p>
+            <a:r>
+              <a:rPr lang="en-US" b="0" i="0" dirty="0">
+                <a:solidFill>
+                  <a:srgbClr val="222222"/>
+                </a:solidFill>
+                <a:effectLst/>
+                <a:latin typeface="-apple-system"/>
+              </a:rPr>
+              <a:t>A </a:t>
+            </a:r>
+            <a:r>
+              <a:rPr lang="en-US" b="1" i="0" dirty="0">
+                <a:solidFill>
+                  <a:srgbClr val="222222"/>
+                </a:solidFill>
+                <a:effectLst/>
+                <a:latin typeface="-apple-system"/>
+              </a:rPr>
+              <a:t>Log</a:t>
+            </a:r>
+            <a:r>
+              <a:rPr lang="en-US" b="0" i="0" dirty="0">
+                <a:solidFill>
+                  <a:srgbClr val="222222"/>
+                </a:solidFill>
+                <a:effectLst/>
+                <a:latin typeface="-apple-system"/>
+              </a:rPr>
+              <a:t> is a timestamped message emitted by services or other components</a:t>
+            </a:r>
+          </a:p>
+          <a:p>
+            <a:r>
+              <a:rPr lang="en-US" b="0" i="0" dirty="0">
+                <a:solidFill>
+                  <a:srgbClr val="222222"/>
+                </a:solidFill>
+                <a:effectLst/>
+                <a:latin typeface="-apple-system"/>
+              </a:rPr>
+              <a:t>A </a:t>
+            </a:r>
+            <a:r>
+              <a:rPr lang="en-US" b="1" i="0" dirty="0">
+                <a:solidFill>
+                  <a:srgbClr val="222222"/>
+                </a:solidFill>
+                <a:effectLst/>
+                <a:latin typeface="-apple-system"/>
+              </a:rPr>
+              <a:t>Span</a:t>
+            </a:r>
+            <a:r>
+              <a:rPr lang="en-US" b="0" i="0" dirty="0">
+                <a:solidFill>
+                  <a:srgbClr val="222222"/>
+                </a:solidFill>
+                <a:effectLst/>
+                <a:latin typeface="-apple-system"/>
+              </a:rPr>
+              <a:t> represents a unit of work or operation</a:t>
+            </a:r>
+          </a:p>
+          <a:p>
+            <a:r>
+              <a:rPr lang="en-US" b="0" i="0" dirty="0">
+                <a:solidFill>
+                  <a:srgbClr val="222222"/>
+                </a:solidFill>
+                <a:effectLst/>
+                <a:latin typeface="-apple-system"/>
+              </a:rPr>
+              <a:t>A </a:t>
+            </a:r>
+            <a:r>
+              <a:rPr lang="en-US" b="1" i="0" dirty="0">
+                <a:solidFill>
+                  <a:srgbClr val="222222"/>
+                </a:solidFill>
+                <a:effectLst/>
+                <a:latin typeface="-apple-system"/>
+              </a:rPr>
+              <a:t>Distributed Trace</a:t>
+            </a:r>
+            <a:r>
+              <a:rPr lang="en-US" b="0" i="0" dirty="0">
+                <a:solidFill>
+                  <a:srgbClr val="222222"/>
+                </a:solidFill>
+                <a:effectLst/>
+                <a:latin typeface="-apple-system"/>
+              </a:rPr>
+              <a:t>, more commonly known as a </a:t>
+            </a:r>
+            <a:r>
+              <a:rPr lang="en-US" b="1" i="0" dirty="0">
+                <a:solidFill>
+                  <a:srgbClr val="222222"/>
+                </a:solidFill>
+                <a:effectLst/>
+                <a:latin typeface="-apple-system"/>
+              </a:rPr>
+              <a:t>Trace</a:t>
+            </a:r>
+            <a:r>
+              <a:rPr lang="en-US" b="0" i="0" dirty="0">
+                <a:solidFill>
+                  <a:srgbClr val="222222"/>
+                </a:solidFill>
+                <a:effectLst/>
+                <a:latin typeface="-apple-system"/>
+              </a:rPr>
+              <a:t>, records the paths taken by requests (made by an application or end-user) as they propagate through multi-service architectures, like microservice and serverless applications.</a:t>
+            </a:r>
+            <a:endParaRPr lang="en-US" dirty="0"/>
+          </a:p>
+        </p:txBody>
+      </p:sp>
+      <p:sp>
+        <p:nvSpPr>
+          <p:cNvPr id="4" name="Slide Number Placeholder 3"/>
+          <p:cNvSpPr>
+            <a:spLocks noGrp="1"/>
+          </p:cNvSpPr>
+          <p:nvPr>
+            <p:ph type="sldNum" sz="quarter" idx="5"/>
+          </p:nvPr>
+        </p:nvSpPr>
+        <p:spPr/>
+        <p:txBody>
+          <a:bodyPr/>
+          <a:lstStyle/>
+          <a:p>
+            <a:fld id="{97856D82-A927-4CCE-B899-0E7A70652ABD}" type="slidenum">
+              <a:rPr lang="en-US" smtClean="0"/>
+              <a:t>4</a:t>
+            </a:fld>
+            <a:endParaRPr lang="en-US"/>
+          </a:p>
+        </p:txBody>
+      </p:sp>
+    </p:spTree>
+    <p:extLst>
+      <p:ext uri="{BB962C8B-B14F-4D97-AF65-F5344CB8AC3E}">
+        <p14:creationId xmlns:p14="http://schemas.microsoft.com/office/powerpoint/2010/main" val="1158262110"/>
+      </p:ext>
+    </p:extLst>
+  </p:cSld>
+  <p:clrMapOvr>
+    <a:masterClrMapping/>
+  </p:clrMapOvr>
+</p:notes>
+</file>
+
+<file path=ppt/notesSlides/notesSlide5.xml><?xml version="1.0" encoding="utf-8"?>
+<p:notes xmlns:a="http://schemas.openxmlformats.org/drawingml/2006/main" xmlns:r="http://schemas.openxmlformats.org/officeDocument/2006/relationships" xmlns:p="http://schemas.openxmlformats.org/presentationml/2006/main">
+  <p:cSld>
+    <p:spTree>
+      <p:nvGrpSpPr>
+        <p:cNvPr id="1" name=""/>
+        <p:cNvGrpSpPr/>
+        <p:nvPr/>
+      </p:nvGrpSpPr>
+      <p:grpSpPr>
+        <a:xfrm>
+          <a:off x="0" y="0"/>
+          <a:ext cx="0" cy="0"/>
+          <a:chOff x="0" y="0"/>
+          <a:chExt cx="0" cy="0"/>
+        </a:xfrm>
+      </p:grpSpPr>
+      <p:sp>
+        <p:nvSpPr>
+          <p:cNvPr id="2" name="Slide Image Placeholder 1"/>
+          <p:cNvSpPr>
+            <a:spLocks noGrp="1" noRot="1" noChangeAspect="1"/>
+          </p:cNvSpPr>
+          <p:nvPr>
+            <p:ph type="sldImg"/>
+          </p:nvPr>
+        </p:nvSpPr>
+        <p:spPr>
+          <a:xfrm>
+            <a:off x="381000" y="685800"/>
+            <a:ext cx="6096000" cy="3429000"/>
+          </a:xfrm>
+        </p:spPr>
+      </p:sp>
+      <p:sp>
+        <p:nvSpPr>
+          <p:cNvPr id="3" name="Notes Placeholder 2"/>
+          <p:cNvSpPr>
+            <a:spLocks noGrp="1"/>
+          </p:cNvSpPr>
+          <p:nvPr>
+            <p:ph type="body" idx="1"/>
+          </p:nvPr>
+        </p:nvSpPr>
+        <p:spPr/>
+        <p:txBody>
+          <a:bodyPr/>
+          <a:lstStyle/>
+          <a:p>
             <a:endParaRPr lang="en-US"/>
           </a:p>
         </p:txBody>
@@ -723,7 +1019,7 @@
           <a:p>
             <a:fld id="{DC42B9C4-3265-4C64-80EB-D0107FD08979}" type="slidenum">
               <a:rPr lang="en-US" smtClean="0"/>
-              <a:t>8</a:t>
+              <a:t>12</a:t>
             </a:fld>
             <a:endParaRPr lang="en-US"/>
           </a:p>
@@ -3647,7 +3943,7 @@
                   <a:prstClr val="black"/>
                 </a:solidFill>
               </a:rPr>
-              <a:t>Observability Made Easy with .NET 6 and </a:t>
+              <a:t>Observability Made Easy with .NET 7 and </a:t>
             </a:r>
             <a:r>
               <a:rPr lang="en-US" sz="6600" dirty="0" err="1">
@@ -3849,546 +4145,7 @@
 </p:sld>
 </file>
 
-<file path=ppt/slides/slide2.xml><?xml version="1.0" encoding="utf-8"?>
-<p:sld xmlns:a="http://schemas.openxmlformats.org/drawingml/2006/main" xmlns:r="http://schemas.openxmlformats.org/officeDocument/2006/relationships" xmlns:p="http://schemas.openxmlformats.org/presentationml/2006/main">
-  <p:cSld>
-    <p:spTree>
-      <p:nvGrpSpPr>
-        <p:cNvPr id="1" name=""/>
-        <p:cNvGrpSpPr/>
-        <p:nvPr/>
-      </p:nvGrpSpPr>
-      <p:grpSpPr>
-        <a:xfrm>
-          <a:off x="0" y="0"/>
-          <a:ext cx="0" cy="0"/>
-          <a:chOff x="0" y="0"/>
-          <a:chExt cx="0" cy="0"/>
-        </a:xfrm>
-      </p:grpSpPr>
-      <p:sp>
-        <p:nvSpPr>
-          <p:cNvPr id="2" name="Title 1">
-            <a:extLst>
-              <a:ext uri="{FF2B5EF4-FFF2-40B4-BE49-F238E27FC236}">
-                <a16:creationId xmlns:a16="http://schemas.microsoft.com/office/drawing/2014/main" id="{D92C0AAB-5748-7ED5-3E2F-D21DCDB34D93}"/>
-              </a:ext>
-            </a:extLst>
-          </p:cNvPr>
-          <p:cNvSpPr>
-            <a:spLocks noGrp="1"/>
-          </p:cNvSpPr>
-          <p:nvPr>
-            <p:ph type="title"/>
-          </p:nvPr>
-        </p:nvSpPr>
-        <p:spPr/>
-        <p:txBody>
-          <a:bodyPr/>
-          <a:lstStyle/>
-          <a:p>
-            <a:r>
-              <a:rPr lang="en-US" dirty="0"/>
-              <a:t>What is Observability?</a:t>
-            </a:r>
-          </a:p>
-        </p:txBody>
-      </p:sp>
-      <p:sp>
-        <p:nvSpPr>
-          <p:cNvPr id="3" name="Text Placeholder 2">
-            <a:extLst>
-              <a:ext uri="{FF2B5EF4-FFF2-40B4-BE49-F238E27FC236}">
-                <a16:creationId xmlns:a16="http://schemas.microsoft.com/office/drawing/2014/main" id="{EAF17F21-90BA-397C-6394-665612E41CCB}"/>
-              </a:ext>
-            </a:extLst>
-          </p:cNvPr>
-          <p:cNvSpPr>
-            <a:spLocks noGrp="1"/>
-          </p:cNvSpPr>
-          <p:nvPr>
-            <p:ph type="body" idx="1"/>
-          </p:nvPr>
-        </p:nvSpPr>
-        <p:spPr/>
-        <p:txBody>
-          <a:bodyPr/>
-          <a:lstStyle/>
-          <a:p>
-            <a:endParaRPr lang="en-US"/>
-          </a:p>
-        </p:txBody>
-      </p:sp>
-      <p:sp>
-        <p:nvSpPr>
-          <p:cNvPr id="4" name="Date Placeholder 3">
-            <a:extLst>
-              <a:ext uri="{FF2B5EF4-FFF2-40B4-BE49-F238E27FC236}">
-                <a16:creationId xmlns:a16="http://schemas.microsoft.com/office/drawing/2014/main" id="{3131F25B-E368-E75E-4473-7050BCD30D41}"/>
-              </a:ext>
-            </a:extLst>
-          </p:cNvPr>
-          <p:cNvSpPr>
-            <a:spLocks noGrp="1"/>
-          </p:cNvSpPr>
-          <p:nvPr>
-            <p:ph type="dt" sz="half" idx="10"/>
-          </p:nvPr>
-        </p:nvSpPr>
-        <p:spPr/>
-        <p:txBody>
-          <a:bodyPr/>
-          <a:lstStyle/>
-          <a:p>
-            <a:r>
-              <a:rPr lang="en-US"/>
-              <a:t>@jbogard</a:t>
-            </a:r>
-            <a:endParaRPr lang="en-US" dirty="0"/>
-          </a:p>
-        </p:txBody>
-      </p:sp>
-    </p:spTree>
-    <p:extLst>
-      <p:ext uri="{BB962C8B-B14F-4D97-AF65-F5344CB8AC3E}">
-        <p14:creationId xmlns:p14="http://schemas.microsoft.com/office/powerpoint/2010/main" val="559888191"/>
-      </p:ext>
-    </p:extLst>
-  </p:cSld>
-  <p:clrMapOvr>
-    <a:masterClrMapping/>
-  </p:clrMapOvr>
-</p:sld>
-</file>
-
-<file path=ppt/slides/slide3.xml><?xml version="1.0" encoding="utf-8"?>
-<p:sld xmlns:a="http://schemas.openxmlformats.org/drawingml/2006/main" xmlns:r="http://schemas.openxmlformats.org/officeDocument/2006/relationships" xmlns:p="http://schemas.openxmlformats.org/presentationml/2006/main">
-  <p:cSld>
-    <p:spTree>
-      <p:nvGrpSpPr>
-        <p:cNvPr id="1" name=""/>
-        <p:cNvGrpSpPr/>
-        <p:nvPr/>
-      </p:nvGrpSpPr>
-      <p:grpSpPr>
-        <a:xfrm>
-          <a:off x="0" y="0"/>
-          <a:ext cx="0" cy="0"/>
-          <a:chOff x="0" y="0"/>
-          <a:chExt cx="0" cy="0"/>
-        </a:xfrm>
-      </p:grpSpPr>
-      <p:sp>
-        <p:nvSpPr>
-          <p:cNvPr id="5" name="Title 4">
-            <a:extLst>
-              <a:ext uri="{FF2B5EF4-FFF2-40B4-BE49-F238E27FC236}">
-                <a16:creationId xmlns:a16="http://schemas.microsoft.com/office/drawing/2014/main" id="{AE0E4CCB-5C5E-0FC7-512D-3B79E0E05836}"/>
-              </a:ext>
-            </a:extLst>
-          </p:cNvPr>
-          <p:cNvSpPr>
-            <a:spLocks noGrp="1"/>
-          </p:cNvSpPr>
-          <p:nvPr>
-            <p:ph type="title"/>
-          </p:nvPr>
-        </p:nvSpPr>
-        <p:spPr/>
-        <p:txBody>
-          <a:bodyPr/>
-          <a:lstStyle/>
-          <a:p>
-            <a:endParaRPr lang="en-US"/>
-          </a:p>
-        </p:txBody>
-      </p:sp>
-      <p:sp>
-        <p:nvSpPr>
-          <p:cNvPr id="4" name="Date Placeholder 3">
-            <a:extLst>
-              <a:ext uri="{FF2B5EF4-FFF2-40B4-BE49-F238E27FC236}">
-                <a16:creationId xmlns:a16="http://schemas.microsoft.com/office/drawing/2014/main" id="{95E51526-6C1C-4A07-30A1-5820D9715A49}"/>
-              </a:ext>
-            </a:extLst>
-          </p:cNvPr>
-          <p:cNvSpPr>
-            <a:spLocks noGrp="1"/>
-          </p:cNvSpPr>
-          <p:nvPr>
-            <p:ph type="dt" sz="half" idx="10"/>
-          </p:nvPr>
-        </p:nvSpPr>
-        <p:spPr/>
-        <p:txBody>
-          <a:bodyPr/>
-          <a:lstStyle/>
-          <a:p>
-            <a:r>
-              <a:rPr lang="en-US"/>
-              <a:t>@jbogard</a:t>
-            </a:r>
-            <a:endParaRPr lang="en-US" dirty="0"/>
-          </a:p>
-        </p:txBody>
-      </p:sp>
-      <p:pic>
-        <p:nvPicPr>
-          <p:cNvPr id="1026" name="Picture 2" descr="Know Your Dashboard Lights and Gauges">
-            <a:extLst>
-              <a:ext uri="{FF2B5EF4-FFF2-40B4-BE49-F238E27FC236}">
-                <a16:creationId xmlns:a16="http://schemas.microsoft.com/office/drawing/2014/main" id="{94DF469B-E82B-28B2-851F-85FFE018148D}"/>
-              </a:ext>
-            </a:extLst>
-          </p:cNvPr>
-          <p:cNvPicPr>
-            <a:picLocks noGrp="1" noChangeAspect="1" noChangeArrowheads="1"/>
-          </p:cNvPicPr>
-          <p:nvPr>
-            <p:ph idx="1"/>
-          </p:nvPr>
-        </p:nvPicPr>
-        <p:blipFill>
-          <a:blip r:embed="rId3">
-            <a:extLst>
-              <a:ext uri="{28A0092B-C50C-407E-A947-70E740481C1C}">
-                <a14:useLocalDpi xmlns:a14="http://schemas.microsoft.com/office/drawing/2010/main" val="0"/>
-              </a:ext>
-            </a:extLst>
-          </a:blip>
-          <a:srcRect/>
-          <a:stretch>
-            <a:fillRect/>
-          </a:stretch>
-        </p:blipFill>
-        <p:spPr bwMode="auto">
-          <a:xfrm>
-            <a:off x="1932040" y="1825625"/>
-            <a:ext cx="8327919" cy="4351338"/>
-          </a:xfrm>
-          <a:prstGeom prst="rect">
-            <a:avLst/>
-          </a:prstGeom>
-          <a:noFill/>
-          <a:extLst>
-            <a:ext uri="{909E8E84-426E-40DD-AFC4-6F175D3DCCD1}">
-              <a14:hiddenFill xmlns:a14="http://schemas.microsoft.com/office/drawing/2010/main">
-                <a:solidFill>
-                  <a:srgbClr val="FFFFFF"/>
-                </a:solidFill>
-              </a14:hiddenFill>
-            </a:ext>
-          </a:extLst>
-        </p:spPr>
-      </p:pic>
-    </p:spTree>
-    <p:extLst>
-      <p:ext uri="{BB962C8B-B14F-4D97-AF65-F5344CB8AC3E}">
-        <p14:creationId xmlns:p14="http://schemas.microsoft.com/office/powerpoint/2010/main" val="183730432"/>
-      </p:ext>
-    </p:extLst>
-  </p:cSld>
-  <p:clrMapOvr>
-    <a:masterClrMapping/>
-  </p:clrMapOvr>
-</p:sld>
-</file>
-
-<file path=ppt/slides/slide4.xml><?xml version="1.0" encoding="utf-8"?>
-<p:sld xmlns:a="http://schemas.openxmlformats.org/drawingml/2006/main" xmlns:r="http://schemas.openxmlformats.org/officeDocument/2006/relationships" xmlns:p="http://schemas.openxmlformats.org/presentationml/2006/main">
-  <p:cSld>
-    <p:spTree>
-      <p:nvGrpSpPr>
-        <p:cNvPr id="1" name=""/>
-        <p:cNvGrpSpPr/>
-        <p:nvPr/>
-      </p:nvGrpSpPr>
-      <p:grpSpPr>
-        <a:xfrm>
-          <a:off x="0" y="0"/>
-          <a:ext cx="0" cy="0"/>
-          <a:chOff x="0" y="0"/>
-          <a:chExt cx="0" cy="0"/>
-        </a:xfrm>
-      </p:grpSpPr>
-      <p:sp>
-        <p:nvSpPr>
-          <p:cNvPr id="2" name="Title 1">
-            <a:extLst>
-              <a:ext uri="{FF2B5EF4-FFF2-40B4-BE49-F238E27FC236}">
-                <a16:creationId xmlns:a16="http://schemas.microsoft.com/office/drawing/2014/main" id="{89EA7D2D-40ED-DC5D-B445-3F8F57837024}"/>
-              </a:ext>
-            </a:extLst>
-          </p:cNvPr>
-          <p:cNvSpPr>
-            <a:spLocks noGrp="1"/>
-          </p:cNvSpPr>
-          <p:nvPr>
-            <p:ph type="title"/>
-          </p:nvPr>
-        </p:nvSpPr>
-        <p:spPr/>
-        <p:txBody>
-          <a:bodyPr/>
-          <a:lstStyle/>
-          <a:p>
-            <a:r>
-              <a:rPr lang="en-US" dirty="0" err="1"/>
-              <a:t>OpenTelemetry</a:t>
-            </a:r>
-            <a:r>
-              <a:rPr lang="en-US" dirty="0"/>
-              <a:t> in .NET</a:t>
-            </a:r>
-          </a:p>
-        </p:txBody>
-      </p:sp>
-      <p:sp>
-        <p:nvSpPr>
-          <p:cNvPr id="4" name="Content Placeholder 3">
-            <a:extLst>
-              <a:ext uri="{FF2B5EF4-FFF2-40B4-BE49-F238E27FC236}">
-                <a16:creationId xmlns:a16="http://schemas.microsoft.com/office/drawing/2014/main" id="{9BA1AD25-3F92-3E8F-3F96-9B2041B33B39}"/>
-              </a:ext>
-            </a:extLst>
-          </p:cNvPr>
-          <p:cNvSpPr>
-            <a:spLocks noGrp="1"/>
-          </p:cNvSpPr>
-          <p:nvPr>
-            <p:ph idx="1"/>
-          </p:nvPr>
-        </p:nvSpPr>
-        <p:spPr/>
-        <p:txBody>
-          <a:bodyPr/>
-          <a:lstStyle/>
-          <a:p>
-            <a:r>
-              <a:rPr lang="en-US" dirty="0"/>
-              <a:t>Logging – </a:t>
-            </a:r>
-            <a:r>
-              <a:rPr lang="en-US" dirty="0" err="1"/>
-              <a:t>Microsoft.Extensions.Logging</a:t>
-            </a:r>
-            <a:endParaRPr lang="en-US" dirty="0"/>
-          </a:p>
-          <a:p>
-            <a:endParaRPr lang="en-US" dirty="0"/>
-          </a:p>
-          <a:p>
-            <a:r>
-              <a:rPr lang="en-US" dirty="0"/>
-              <a:t>Tracing – </a:t>
-            </a:r>
-            <a:r>
-              <a:rPr lang="en-US" dirty="0" err="1"/>
-              <a:t>System.Diagnostics.DiagnosticSource</a:t>
-            </a:r>
-            <a:endParaRPr lang="en-US" dirty="0"/>
-          </a:p>
-          <a:p>
-            <a:endParaRPr lang="en-US" dirty="0"/>
-          </a:p>
-          <a:p>
-            <a:r>
-              <a:rPr lang="en-US" dirty="0"/>
-              <a:t>Metrics – </a:t>
-            </a:r>
-            <a:r>
-              <a:rPr lang="en-US" dirty="0" err="1"/>
-              <a:t>System.Diagnostics.DiagnosticSource</a:t>
-            </a:r>
-            <a:endParaRPr lang="en-US" dirty="0"/>
-          </a:p>
-        </p:txBody>
-      </p:sp>
-      <p:sp>
-        <p:nvSpPr>
-          <p:cNvPr id="3" name="Date Placeholder 2">
-            <a:extLst>
-              <a:ext uri="{FF2B5EF4-FFF2-40B4-BE49-F238E27FC236}">
-                <a16:creationId xmlns:a16="http://schemas.microsoft.com/office/drawing/2014/main" id="{B2C3C074-8509-A441-E26A-2A0ADDA8B2F4}"/>
-              </a:ext>
-            </a:extLst>
-          </p:cNvPr>
-          <p:cNvSpPr>
-            <a:spLocks noGrp="1"/>
-          </p:cNvSpPr>
-          <p:nvPr>
-            <p:ph type="dt" sz="half" idx="10"/>
-          </p:nvPr>
-        </p:nvSpPr>
-        <p:spPr/>
-        <p:txBody>
-          <a:bodyPr/>
-          <a:lstStyle/>
-          <a:p>
-            <a:r>
-              <a:rPr lang="en-US"/>
-              <a:t>@jbogard</a:t>
-            </a:r>
-            <a:endParaRPr lang="en-US" dirty="0"/>
-          </a:p>
-        </p:txBody>
-      </p:sp>
-      <p:pic>
-        <p:nvPicPr>
-          <p:cNvPr id="6" name="Picture 5">
-            <a:extLst>
-              <a:ext uri="{FF2B5EF4-FFF2-40B4-BE49-F238E27FC236}">
-                <a16:creationId xmlns:a16="http://schemas.microsoft.com/office/drawing/2014/main" id="{D0024893-8088-7A61-318E-51C325B382A6}"/>
-              </a:ext>
-            </a:extLst>
-          </p:cNvPr>
-          <p:cNvPicPr>
-            <a:picLocks noChangeAspect="1"/>
-          </p:cNvPicPr>
-          <p:nvPr/>
-        </p:nvPicPr>
-        <p:blipFill>
-          <a:blip r:embed="rId2"/>
-          <a:stretch>
-            <a:fillRect/>
-          </a:stretch>
-        </p:blipFill>
-        <p:spPr>
-          <a:xfrm>
-            <a:off x="4635164" y="4420055"/>
-            <a:ext cx="1897544" cy="2072820"/>
-          </a:xfrm>
-          <a:prstGeom prst="rect">
-            <a:avLst/>
-          </a:prstGeom>
-        </p:spPr>
-      </p:pic>
-    </p:spTree>
-    <p:extLst>
-      <p:ext uri="{BB962C8B-B14F-4D97-AF65-F5344CB8AC3E}">
-        <p14:creationId xmlns:p14="http://schemas.microsoft.com/office/powerpoint/2010/main" val="493195639"/>
-      </p:ext>
-    </p:extLst>
-  </p:cSld>
-  <p:clrMapOvr>
-    <a:masterClrMapping/>
-  </p:clrMapOvr>
-</p:sld>
-</file>
-
-<file path=ppt/slides/slide5.xml><?xml version="1.0" encoding="utf-8"?>
-<p:sld xmlns:a="http://schemas.openxmlformats.org/drawingml/2006/main" xmlns:r="http://schemas.openxmlformats.org/officeDocument/2006/relationships" xmlns:p="http://schemas.openxmlformats.org/presentationml/2006/main">
-  <p:cSld>
-    <p:spTree>
-      <p:nvGrpSpPr>
-        <p:cNvPr id="1" name=""/>
-        <p:cNvGrpSpPr/>
-        <p:nvPr/>
-      </p:nvGrpSpPr>
-      <p:grpSpPr>
-        <a:xfrm>
-          <a:off x="0" y="0"/>
-          <a:ext cx="0" cy="0"/>
-          <a:chOff x="0" y="0"/>
-          <a:chExt cx="0" cy="0"/>
-        </a:xfrm>
-      </p:grpSpPr>
-      <p:sp>
-        <p:nvSpPr>
-          <p:cNvPr id="2" name="Title 1">
-            <a:extLst>
-              <a:ext uri="{FF2B5EF4-FFF2-40B4-BE49-F238E27FC236}">
-                <a16:creationId xmlns:a16="http://schemas.microsoft.com/office/drawing/2014/main" id="{357AA427-836B-4693-9E2E-8BD5679CD517}"/>
-              </a:ext>
-            </a:extLst>
-          </p:cNvPr>
-          <p:cNvSpPr>
-            <a:spLocks noGrp="1"/>
-          </p:cNvSpPr>
-          <p:nvPr>
-            <p:ph type="title"/>
-          </p:nvPr>
-        </p:nvSpPr>
-        <p:spPr/>
-        <p:txBody>
-          <a:bodyPr/>
-          <a:lstStyle/>
-          <a:p>
-            <a:r>
-              <a:rPr lang="en-US" dirty="0"/>
-              <a:t>Demo</a:t>
-            </a:r>
-          </a:p>
-        </p:txBody>
-      </p:sp>
-      <p:sp>
-        <p:nvSpPr>
-          <p:cNvPr id="3" name="Text Placeholder 2">
-            <a:extLst>
-              <a:ext uri="{FF2B5EF4-FFF2-40B4-BE49-F238E27FC236}">
-                <a16:creationId xmlns:a16="http://schemas.microsoft.com/office/drawing/2014/main" id="{44AC1F72-1D54-4177-AB75-6D01B88E0801}"/>
-              </a:ext>
-            </a:extLst>
-          </p:cNvPr>
-          <p:cNvSpPr>
-            <a:spLocks noGrp="1"/>
-          </p:cNvSpPr>
-          <p:nvPr>
-            <p:ph type="body" idx="1"/>
-          </p:nvPr>
-        </p:nvSpPr>
-        <p:spPr/>
-        <p:txBody>
-          <a:bodyPr/>
-          <a:lstStyle/>
-          <a:p>
-            <a:endParaRPr lang="en-US" dirty="0"/>
-          </a:p>
-        </p:txBody>
-      </p:sp>
-      <p:sp>
-        <p:nvSpPr>
-          <p:cNvPr id="4" name="Date Placeholder 3">
-            <a:extLst>
-              <a:ext uri="{FF2B5EF4-FFF2-40B4-BE49-F238E27FC236}">
-                <a16:creationId xmlns:a16="http://schemas.microsoft.com/office/drawing/2014/main" id="{8EE7213A-32D4-4B0B-8A06-E553F7D262F0}"/>
-              </a:ext>
-            </a:extLst>
-          </p:cNvPr>
-          <p:cNvSpPr>
-            <a:spLocks noGrp="1"/>
-          </p:cNvSpPr>
-          <p:nvPr>
-            <p:ph type="dt" sz="half" idx="10"/>
-          </p:nvPr>
-        </p:nvSpPr>
-        <p:spPr/>
-        <p:txBody>
-          <a:bodyPr/>
-          <a:lstStyle/>
-          <a:p>
-            <a:r>
-              <a:rPr lang="en-US"/>
-              <a:t>@jbogard</a:t>
-            </a:r>
-            <a:endParaRPr lang="en-US" dirty="0"/>
-          </a:p>
-        </p:txBody>
-      </p:sp>
-    </p:spTree>
-    <p:extLst>
-      <p:ext uri="{BB962C8B-B14F-4D97-AF65-F5344CB8AC3E}">
-        <p14:creationId xmlns:p14="http://schemas.microsoft.com/office/powerpoint/2010/main" val="4169265656"/>
-      </p:ext>
-    </p:extLst>
-  </p:cSld>
-  <p:clrMapOvr>
-    <a:masterClrMapping/>
-  </p:clrMapOvr>
-</p:sld>
-</file>
-
-<file path=ppt/slides/slide6.xml><?xml version="1.0" encoding="utf-8"?>
+<file path=ppt/slides/slide10.xml><?xml version="1.0" encoding="utf-8"?>
 <p:sld xmlns:a="http://schemas.openxmlformats.org/drawingml/2006/main" xmlns:r="http://schemas.openxmlformats.org/officeDocument/2006/relationships" xmlns:p="http://schemas.openxmlformats.org/presentationml/2006/main" show="0">
   <p:cSld>
     <p:spTree>
@@ -5167,7 +4924,7 @@
 </p:sld>
 </file>
 
-<file path=ppt/slides/slide7.xml><?xml version="1.0" encoding="utf-8"?>
+<file path=ppt/slides/slide11.xml><?xml version="1.0" encoding="utf-8"?>
 <p:sld xmlns:a="http://schemas.openxmlformats.org/drawingml/2006/main" xmlns:r="http://schemas.openxmlformats.org/officeDocument/2006/relationships" xmlns:p="http://schemas.openxmlformats.org/presentationml/2006/main" show="0">
   <p:cSld>
     <p:spTree>
@@ -8901,6 +8658,3402 @@
 </p:sld>
 </file>
 
+<file path=ppt/slides/slide12.xml><?xml version="1.0" encoding="utf-8"?>
+<p:sld xmlns:a="http://schemas.openxmlformats.org/drawingml/2006/main" xmlns:r="http://schemas.openxmlformats.org/officeDocument/2006/relationships" xmlns:p="http://schemas.openxmlformats.org/presentationml/2006/main">
+  <p:cSld>
+    <p:spTree>
+      <p:nvGrpSpPr>
+        <p:cNvPr id="1" name=""/>
+        <p:cNvGrpSpPr/>
+        <p:nvPr/>
+      </p:nvGrpSpPr>
+      <p:grpSpPr>
+        <a:xfrm>
+          <a:off x="0" y="0"/>
+          <a:ext cx="0" cy="0"/>
+          <a:chOff x="0" y="0"/>
+          <a:chExt cx="0" cy="0"/>
+        </a:xfrm>
+      </p:grpSpPr>
+      <p:sp>
+        <p:nvSpPr>
+          <p:cNvPr id="2" name="Title 1"/>
+          <p:cNvSpPr>
+            <a:spLocks noGrp="1"/>
+          </p:cNvSpPr>
+          <p:nvPr>
+            <p:ph type="ctrTitle"/>
+            <p:custDataLst>
+              <p:tags r:id="rId2"/>
+            </p:custDataLst>
+          </p:nvPr>
+        </p:nvSpPr>
+        <p:spPr>
+          <a:xfrm>
+            <a:off x="1202957" y="450347"/>
+            <a:ext cx="9786086" cy="2387600"/>
+          </a:xfrm>
+        </p:spPr>
+        <p:txBody>
+          <a:bodyPr anchor="ctr">
+            <a:noAutofit/>
+          </a:bodyPr>
+          <a:lstStyle/>
+          <a:p>
+            <a:r>
+              <a:rPr lang="en-US" sz="6600" dirty="0">
+                <a:solidFill>
+                  <a:prstClr val="black"/>
+                </a:solidFill>
+              </a:rPr>
+              <a:t>Observability Made Easy with .NET 7 and </a:t>
+            </a:r>
+            <a:r>
+              <a:rPr lang="en-US" sz="6600" dirty="0" err="1">
+                <a:solidFill>
+                  <a:prstClr val="black"/>
+                </a:solidFill>
+              </a:rPr>
+              <a:t>OpenTelemetry</a:t>
+            </a:r>
+            <a:endParaRPr lang="en-US" sz="4800" dirty="0"/>
+          </a:p>
+        </p:txBody>
+      </p:sp>
+      <p:sp>
+        <p:nvSpPr>
+          <p:cNvPr id="3" name="Subtitle 2"/>
+          <p:cNvSpPr>
+            <a:spLocks noGrp="1"/>
+          </p:cNvSpPr>
+          <p:nvPr>
+            <p:ph type="subTitle" idx="1"/>
+            <p:custDataLst>
+              <p:tags r:id="rId3"/>
+            </p:custDataLst>
+          </p:nvPr>
+        </p:nvSpPr>
+        <p:spPr>
+          <a:xfrm>
+            <a:off x="582753" y="3296510"/>
+            <a:ext cx="10901732" cy="3674238"/>
+          </a:xfrm>
+        </p:spPr>
+        <p:txBody>
+          <a:bodyPr>
+            <a:normAutofit/>
+          </a:bodyPr>
+          <a:lstStyle/>
+          <a:p>
+            <a:r>
+              <a:rPr lang="en-US" sz="3200" dirty="0"/>
+              <a:t>Jimmy </a:t>
+            </a:r>
+            <a:r>
+              <a:rPr lang="en-US" sz="3200" dirty="0" err="1"/>
+              <a:t>Bogard</a:t>
+            </a:r>
+            <a:endParaRPr lang="en-US" sz="3200" dirty="0"/>
+          </a:p>
+          <a:p>
+            <a:r>
+              <a:rPr lang="en-US" sz="3200" dirty="0"/>
+              <a:t>@</a:t>
+            </a:r>
+            <a:r>
+              <a:rPr lang="en-US" sz="3200" dirty="0" err="1"/>
+              <a:t>jbogard</a:t>
+            </a:r>
+            <a:endParaRPr lang="en-US" sz="3200" dirty="0"/>
+          </a:p>
+          <a:p>
+            <a:r>
+              <a:rPr lang="en-US" sz="3200" dirty="0"/>
+              <a:t>github.com/</a:t>
+            </a:r>
+            <a:r>
+              <a:rPr lang="en-US" sz="3200" dirty="0" err="1"/>
+              <a:t>jbogard</a:t>
+            </a:r>
+            <a:endParaRPr lang="en-US" sz="3200" dirty="0"/>
+          </a:p>
+          <a:p>
+            <a:r>
+              <a:rPr lang="en-US" sz="3200" dirty="0"/>
+              <a:t>jimmybogard.com</a:t>
+            </a:r>
+          </a:p>
+          <a:p>
+            <a:endParaRPr lang="en-US" sz="3200" dirty="0"/>
+          </a:p>
+          <a:p>
+            <a:r>
+              <a:rPr lang="en-US" sz="3200" dirty="0"/>
+              <a:t>github.com/jbogard/presentations</a:t>
+            </a:r>
+          </a:p>
+        </p:txBody>
+      </p:sp>
+    </p:spTree>
+    <p:custDataLst>
+      <p:tags r:id="rId1"/>
+    </p:custDataLst>
+    <p:extLst>
+      <p:ext uri="{BB962C8B-B14F-4D97-AF65-F5344CB8AC3E}">
+        <p14:creationId xmlns:p14="http://schemas.microsoft.com/office/powerpoint/2010/main" val="2694960354"/>
+      </p:ext>
+    </p:extLst>
+  </p:cSld>
+  <p:clrMapOvr>
+    <a:masterClrMapping/>
+  </p:clrMapOvr>
+</p:sld>
+</file>
+
+<file path=ppt/slides/slide2.xml><?xml version="1.0" encoding="utf-8"?>
+<p:sld xmlns:a="http://schemas.openxmlformats.org/drawingml/2006/main" xmlns:r="http://schemas.openxmlformats.org/officeDocument/2006/relationships" xmlns:p="http://schemas.openxmlformats.org/presentationml/2006/main">
+  <p:cSld>
+    <p:spTree>
+      <p:nvGrpSpPr>
+        <p:cNvPr id="1" name=""/>
+        <p:cNvGrpSpPr/>
+        <p:nvPr/>
+      </p:nvGrpSpPr>
+      <p:grpSpPr>
+        <a:xfrm>
+          <a:off x="0" y="0"/>
+          <a:ext cx="0" cy="0"/>
+          <a:chOff x="0" y="0"/>
+          <a:chExt cx="0" cy="0"/>
+        </a:xfrm>
+      </p:grpSpPr>
+      <p:sp>
+        <p:nvSpPr>
+          <p:cNvPr id="2" name="Title 1">
+            <a:extLst>
+              <a:ext uri="{FF2B5EF4-FFF2-40B4-BE49-F238E27FC236}">
+                <a16:creationId xmlns:a16="http://schemas.microsoft.com/office/drawing/2014/main" id="{D92C0AAB-5748-7ED5-3E2F-D21DCDB34D93}"/>
+              </a:ext>
+            </a:extLst>
+          </p:cNvPr>
+          <p:cNvSpPr>
+            <a:spLocks noGrp="1"/>
+          </p:cNvSpPr>
+          <p:nvPr>
+            <p:ph type="title"/>
+          </p:nvPr>
+        </p:nvSpPr>
+        <p:spPr/>
+        <p:txBody>
+          <a:bodyPr/>
+          <a:lstStyle/>
+          <a:p>
+            <a:r>
+              <a:rPr lang="en-US" dirty="0"/>
+              <a:t>What is Observability?</a:t>
+            </a:r>
+          </a:p>
+        </p:txBody>
+      </p:sp>
+      <p:sp>
+        <p:nvSpPr>
+          <p:cNvPr id="3" name="Text Placeholder 2">
+            <a:extLst>
+              <a:ext uri="{FF2B5EF4-FFF2-40B4-BE49-F238E27FC236}">
+                <a16:creationId xmlns:a16="http://schemas.microsoft.com/office/drawing/2014/main" id="{EAF17F21-90BA-397C-6394-665612E41CCB}"/>
+              </a:ext>
+            </a:extLst>
+          </p:cNvPr>
+          <p:cNvSpPr>
+            <a:spLocks noGrp="1"/>
+          </p:cNvSpPr>
+          <p:nvPr>
+            <p:ph type="body" idx="1"/>
+          </p:nvPr>
+        </p:nvSpPr>
+        <p:spPr/>
+        <p:txBody>
+          <a:bodyPr/>
+          <a:lstStyle/>
+          <a:p>
+            <a:endParaRPr lang="en-US"/>
+          </a:p>
+        </p:txBody>
+      </p:sp>
+      <p:sp>
+        <p:nvSpPr>
+          <p:cNvPr id="4" name="Date Placeholder 3">
+            <a:extLst>
+              <a:ext uri="{FF2B5EF4-FFF2-40B4-BE49-F238E27FC236}">
+                <a16:creationId xmlns:a16="http://schemas.microsoft.com/office/drawing/2014/main" id="{3131F25B-E368-E75E-4473-7050BCD30D41}"/>
+              </a:ext>
+            </a:extLst>
+          </p:cNvPr>
+          <p:cNvSpPr>
+            <a:spLocks noGrp="1"/>
+          </p:cNvSpPr>
+          <p:nvPr>
+            <p:ph type="dt" sz="half" idx="10"/>
+          </p:nvPr>
+        </p:nvSpPr>
+        <p:spPr/>
+        <p:txBody>
+          <a:bodyPr/>
+          <a:lstStyle/>
+          <a:p>
+            <a:r>
+              <a:rPr lang="en-US"/>
+              <a:t>@jbogard</a:t>
+            </a:r>
+            <a:endParaRPr lang="en-US" dirty="0"/>
+          </a:p>
+        </p:txBody>
+      </p:sp>
+    </p:spTree>
+    <p:extLst>
+      <p:ext uri="{BB962C8B-B14F-4D97-AF65-F5344CB8AC3E}">
+        <p14:creationId xmlns:p14="http://schemas.microsoft.com/office/powerpoint/2010/main" val="559888191"/>
+      </p:ext>
+    </p:extLst>
+  </p:cSld>
+  <p:clrMapOvr>
+    <a:masterClrMapping/>
+  </p:clrMapOvr>
+</p:sld>
+</file>
+
+<file path=ppt/slides/slide3.xml><?xml version="1.0" encoding="utf-8"?>
+<p:sld xmlns:a="http://schemas.openxmlformats.org/drawingml/2006/main" xmlns:r="http://schemas.openxmlformats.org/officeDocument/2006/relationships" xmlns:p="http://schemas.openxmlformats.org/presentationml/2006/main">
+  <p:cSld>
+    <p:spTree>
+      <p:nvGrpSpPr>
+        <p:cNvPr id="1" name=""/>
+        <p:cNvGrpSpPr/>
+        <p:nvPr/>
+      </p:nvGrpSpPr>
+      <p:grpSpPr>
+        <a:xfrm>
+          <a:off x="0" y="0"/>
+          <a:ext cx="0" cy="0"/>
+          <a:chOff x="0" y="0"/>
+          <a:chExt cx="0" cy="0"/>
+        </a:xfrm>
+      </p:grpSpPr>
+      <p:sp>
+        <p:nvSpPr>
+          <p:cNvPr id="4" name="Date Placeholder 3">
+            <a:extLst>
+              <a:ext uri="{FF2B5EF4-FFF2-40B4-BE49-F238E27FC236}">
+                <a16:creationId xmlns:a16="http://schemas.microsoft.com/office/drawing/2014/main" id="{95E51526-6C1C-4A07-30A1-5820D9715A49}"/>
+              </a:ext>
+            </a:extLst>
+          </p:cNvPr>
+          <p:cNvSpPr>
+            <a:spLocks noGrp="1"/>
+          </p:cNvSpPr>
+          <p:nvPr>
+            <p:ph type="dt" sz="half" idx="10"/>
+          </p:nvPr>
+        </p:nvSpPr>
+        <p:spPr/>
+        <p:txBody>
+          <a:bodyPr/>
+          <a:lstStyle/>
+          <a:p>
+            <a:r>
+              <a:rPr lang="en-US"/>
+              <a:t>@jbogard</a:t>
+            </a:r>
+            <a:endParaRPr lang="en-US" dirty="0"/>
+          </a:p>
+        </p:txBody>
+      </p:sp>
+      <p:pic>
+        <p:nvPicPr>
+          <p:cNvPr id="1026" name="Picture 2" descr="Know Your Dashboard Lights and Gauges">
+            <a:extLst>
+              <a:ext uri="{FF2B5EF4-FFF2-40B4-BE49-F238E27FC236}">
+                <a16:creationId xmlns:a16="http://schemas.microsoft.com/office/drawing/2014/main" id="{94DF469B-E82B-28B2-851F-85FFE018148D}"/>
+              </a:ext>
+            </a:extLst>
+          </p:cNvPr>
+          <p:cNvPicPr>
+            <a:picLocks noGrp="1" noChangeAspect="1" noChangeArrowheads="1"/>
+          </p:cNvPicPr>
+          <p:nvPr>
+            <p:ph idx="4294967295"/>
+          </p:nvPr>
+        </p:nvPicPr>
+        <p:blipFill>
+          <a:blip r:embed="rId3">
+            <a:extLst>
+              <a:ext uri="{28A0092B-C50C-407E-A947-70E740481C1C}">
+                <a14:useLocalDpi xmlns:a14="http://schemas.microsoft.com/office/drawing/2010/main" val="0"/>
+              </a:ext>
+            </a:extLst>
+          </a:blip>
+          <a:srcRect/>
+          <a:stretch>
+            <a:fillRect/>
+          </a:stretch>
+        </p:blipFill>
+        <p:spPr bwMode="auto">
+          <a:xfrm>
+            <a:off x="1931987" y="1253331"/>
+            <a:ext cx="8328025" cy="4351338"/>
+          </a:xfrm>
+          <a:prstGeom prst="rect">
+            <a:avLst/>
+          </a:prstGeom>
+          <a:noFill/>
+          <a:extLst>
+            <a:ext uri="{909E8E84-426E-40DD-AFC4-6F175D3DCCD1}">
+              <a14:hiddenFill xmlns:a14="http://schemas.microsoft.com/office/drawing/2010/main">
+                <a:solidFill>
+                  <a:srgbClr val="FFFFFF"/>
+                </a:solidFill>
+              </a14:hiddenFill>
+            </a:ext>
+          </a:extLst>
+        </p:spPr>
+      </p:pic>
+    </p:spTree>
+    <p:extLst>
+      <p:ext uri="{BB962C8B-B14F-4D97-AF65-F5344CB8AC3E}">
+        <p14:creationId xmlns:p14="http://schemas.microsoft.com/office/powerpoint/2010/main" val="183730432"/>
+      </p:ext>
+    </p:extLst>
+  </p:cSld>
+  <p:clrMapOvr>
+    <a:masterClrMapping/>
+  </p:clrMapOvr>
+</p:sld>
+</file>
+
+<file path=ppt/slides/slide4.xml><?xml version="1.0" encoding="utf-8"?>
+<p:sld xmlns:a="http://schemas.openxmlformats.org/drawingml/2006/main" xmlns:r="http://schemas.openxmlformats.org/officeDocument/2006/relationships" xmlns:p="http://schemas.openxmlformats.org/presentationml/2006/main">
+  <p:cSld>
+    <p:spTree>
+      <p:nvGrpSpPr>
+        <p:cNvPr id="1" name=""/>
+        <p:cNvGrpSpPr/>
+        <p:nvPr/>
+      </p:nvGrpSpPr>
+      <p:grpSpPr>
+        <a:xfrm>
+          <a:off x="0" y="0"/>
+          <a:ext cx="0" cy="0"/>
+          <a:chOff x="0" y="0"/>
+          <a:chExt cx="0" cy="0"/>
+        </a:xfrm>
+      </p:grpSpPr>
+      <p:sp>
+        <p:nvSpPr>
+          <p:cNvPr id="5" name="Title 4">
+            <a:extLst>
+              <a:ext uri="{FF2B5EF4-FFF2-40B4-BE49-F238E27FC236}">
+                <a16:creationId xmlns:a16="http://schemas.microsoft.com/office/drawing/2014/main" id="{FC5493EA-1786-7106-B927-AF0DA7C06FE1}"/>
+              </a:ext>
+            </a:extLst>
+          </p:cNvPr>
+          <p:cNvSpPr>
+            <a:spLocks noGrp="1"/>
+          </p:cNvSpPr>
+          <p:nvPr>
+            <p:ph type="title"/>
+          </p:nvPr>
+        </p:nvSpPr>
+        <p:spPr/>
+        <p:txBody>
+          <a:bodyPr/>
+          <a:lstStyle/>
+          <a:p>
+            <a:r>
+              <a:rPr lang="en-US" dirty="0"/>
+              <a:t>Three Pillars of Observability</a:t>
+            </a:r>
+          </a:p>
+        </p:txBody>
+      </p:sp>
+      <p:sp>
+        <p:nvSpPr>
+          <p:cNvPr id="4" name="Date Placeholder 3">
+            <a:extLst>
+              <a:ext uri="{FF2B5EF4-FFF2-40B4-BE49-F238E27FC236}">
+                <a16:creationId xmlns:a16="http://schemas.microsoft.com/office/drawing/2014/main" id="{699DB2E4-726F-BF9E-9358-A5F89AF7D27F}"/>
+              </a:ext>
+            </a:extLst>
+          </p:cNvPr>
+          <p:cNvSpPr>
+            <a:spLocks noGrp="1"/>
+          </p:cNvSpPr>
+          <p:nvPr>
+            <p:ph type="dt" sz="half" idx="10"/>
+          </p:nvPr>
+        </p:nvSpPr>
+        <p:spPr/>
+        <p:txBody>
+          <a:bodyPr/>
+          <a:lstStyle/>
+          <a:p>
+            <a:r>
+              <a:rPr lang="en-US"/>
+              <a:t>@jbogard</a:t>
+            </a:r>
+            <a:endParaRPr lang="en-US" dirty="0"/>
+          </a:p>
+        </p:txBody>
+      </p:sp>
+      <p:pic>
+        <p:nvPicPr>
+          <p:cNvPr id="7" name="Picture 6">
+            <a:extLst>
+              <a:ext uri="{FF2B5EF4-FFF2-40B4-BE49-F238E27FC236}">
+                <a16:creationId xmlns:a16="http://schemas.microsoft.com/office/drawing/2014/main" id="{086E0EF8-9A5E-2EB1-1CF9-DFD0B1B008FC}"/>
+              </a:ext>
+            </a:extLst>
+          </p:cNvPr>
+          <p:cNvPicPr>
+            <a:picLocks noChangeAspect="1"/>
+          </p:cNvPicPr>
+          <p:nvPr/>
+        </p:nvPicPr>
+        <p:blipFill>
+          <a:blip r:embed="rId3"/>
+          <a:stretch>
+            <a:fillRect/>
+          </a:stretch>
+        </p:blipFill>
+        <p:spPr>
+          <a:xfrm>
+            <a:off x="641398" y="3000063"/>
+            <a:ext cx="2833321" cy="746429"/>
+          </a:xfrm>
+          <a:prstGeom prst="rect">
+            <a:avLst/>
+          </a:prstGeom>
+        </p:spPr>
+      </p:pic>
+      <p:pic>
+        <p:nvPicPr>
+          <p:cNvPr id="1026" name="Picture 2" descr="Sample Trace">
+            <a:extLst>
+              <a:ext uri="{FF2B5EF4-FFF2-40B4-BE49-F238E27FC236}">
+                <a16:creationId xmlns:a16="http://schemas.microsoft.com/office/drawing/2014/main" id="{DB9847AA-B436-DD7F-CEE7-857C24B451F3}"/>
+              </a:ext>
+            </a:extLst>
+          </p:cNvPr>
+          <p:cNvPicPr>
+            <a:picLocks noChangeAspect="1" noChangeArrowheads="1"/>
+          </p:cNvPicPr>
+          <p:nvPr/>
+        </p:nvPicPr>
+        <p:blipFill>
+          <a:blip r:embed="rId4">
+            <a:extLst>
+              <a:ext uri="{28A0092B-C50C-407E-A947-70E740481C1C}">
+                <a14:useLocalDpi xmlns:a14="http://schemas.microsoft.com/office/drawing/2010/main" val="0"/>
+              </a:ext>
+            </a:extLst>
+          </a:blip>
+          <a:srcRect/>
+          <a:stretch>
+            <a:fillRect/>
+          </a:stretch>
+        </p:blipFill>
+        <p:spPr bwMode="auto">
+          <a:xfrm>
+            <a:off x="3980606" y="2433102"/>
+            <a:ext cx="4230787" cy="1880350"/>
+          </a:xfrm>
+          <a:prstGeom prst="rect">
+            <a:avLst/>
+          </a:prstGeom>
+          <a:noFill/>
+          <a:extLst>
+            <a:ext uri="{909E8E84-426E-40DD-AFC4-6F175D3DCCD1}">
+              <a14:hiddenFill xmlns:a14="http://schemas.microsoft.com/office/drawing/2010/main">
+                <a:solidFill>
+                  <a:srgbClr val="FFFFFF"/>
+                </a:solidFill>
+              </a14:hiddenFill>
+            </a:ext>
+          </a:extLst>
+        </p:spPr>
+      </p:pic>
+      <p:pic>
+        <p:nvPicPr>
+          <p:cNvPr id="1028" name="Picture 4" descr="Grafana screenshot">
+            <a:extLst>
+              <a:ext uri="{FF2B5EF4-FFF2-40B4-BE49-F238E27FC236}">
+                <a16:creationId xmlns:a16="http://schemas.microsoft.com/office/drawing/2014/main" id="{D9A325A6-EEAD-3AE4-AC7E-8BFD608536EC}"/>
+              </a:ext>
+            </a:extLst>
+          </p:cNvPr>
+          <p:cNvPicPr>
+            <a:picLocks noChangeAspect="1" noChangeArrowheads="1"/>
+          </p:cNvPicPr>
+          <p:nvPr/>
+        </p:nvPicPr>
+        <p:blipFill>
+          <a:blip r:embed="rId5" cstate="print">
+            <a:extLst>
+              <a:ext uri="{28A0092B-C50C-407E-A947-70E740481C1C}">
+                <a14:useLocalDpi xmlns:a14="http://schemas.microsoft.com/office/drawing/2010/main" val="0"/>
+              </a:ext>
+            </a:extLst>
+          </a:blip>
+          <a:srcRect/>
+          <a:stretch>
+            <a:fillRect/>
+          </a:stretch>
+        </p:blipFill>
+        <p:spPr bwMode="auto">
+          <a:xfrm>
+            <a:off x="8881948" y="2238018"/>
+            <a:ext cx="2941162" cy="2270518"/>
+          </a:xfrm>
+          <a:prstGeom prst="rect">
+            <a:avLst/>
+          </a:prstGeom>
+          <a:noFill/>
+          <a:extLst>
+            <a:ext uri="{909E8E84-426E-40DD-AFC4-6F175D3DCCD1}">
+              <a14:hiddenFill xmlns:a14="http://schemas.microsoft.com/office/drawing/2010/main">
+                <a:solidFill>
+                  <a:srgbClr val="FFFFFF"/>
+                </a:solidFill>
+              </a14:hiddenFill>
+            </a:ext>
+          </a:extLst>
+        </p:spPr>
+      </p:pic>
+      <p:sp>
+        <p:nvSpPr>
+          <p:cNvPr id="8" name="TextBox 7">
+            <a:extLst>
+              <a:ext uri="{FF2B5EF4-FFF2-40B4-BE49-F238E27FC236}">
+                <a16:creationId xmlns:a16="http://schemas.microsoft.com/office/drawing/2014/main" id="{C3386734-0A89-5789-3D4E-CED2BDDB1BD3}"/>
+              </a:ext>
+            </a:extLst>
+          </p:cNvPr>
+          <p:cNvSpPr txBox="1"/>
+          <p:nvPr/>
+        </p:nvSpPr>
+        <p:spPr>
+          <a:xfrm>
+            <a:off x="5199887" y="5654476"/>
+            <a:ext cx="1792224" cy="369332"/>
+          </a:xfrm>
+          <a:prstGeom prst="rect">
+            <a:avLst/>
+          </a:prstGeom>
+          <a:noFill/>
+        </p:spPr>
+        <p:txBody>
+          <a:bodyPr wrap="square" rtlCol="0">
+            <a:spAutoFit/>
+          </a:bodyPr>
+          <a:lstStyle/>
+          <a:p>
+            <a:pPr algn="ctr"/>
+            <a:r>
+              <a:rPr lang="en-US" dirty="0"/>
+              <a:t>Tracing</a:t>
+            </a:r>
+          </a:p>
+        </p:txBody>
+      </p:sp>
+      <p:sp>
+        <p:nvSpPr>
+          <p:cNvPr id="9" name="TextBox 8">
+            <a:extLst>
+              <a:ext uri="{FF2B5EF4-FFF2-40B4-BE49-F238E27FC236}">
+                <a16:creationId xmlns:a16="http://schemas.microsoft.com/office/drawing/2014/main" id="{314F8818-872F-2823-E370-048D95C8752F}"/>
+              </a:ext>
+            </a:extLst>
+          </p:cNvPr>
+          <p:cNvSpPr txBox="1"/>
+          <p:nvPr/>
+        </p:nvSpPr>
+        <p:spPr>
+          <a:xfrm>
+            <a:off x="1223554" y="5654476"/>
+            <a:ext cx="1792224" cy="369332"/>
+          </a:xfrm>
+          <a:prstGeom prst="rect">
+            <a:avLst/>
+          </a:prstGeom>
+          <a:noFill/>
+        </p:spPr>
+        <p:txBody>
+          <a:bodyPr wrap="square" rtlCol="0">
+            <a:spAutoFit/>
+          </a:bodyPr>
+          <a:lstStyle/>
+          <a:p>
+            <a:pPr algn="ctr"/>
+            <a:r>
+              <a:rPr lang="en-US" dirty="0"/>
+              <a:t>Logging</a:t>
+            </a:r>
+          </a:p>
+        </p:txBody>
+      </p:sp>
+      <p:sp>
+        <p:nvSpPr>
+          <p:cNvPr id="10" name="TextBox 9">
+            <a:extLst>
+              <a:ext uri="{FF2B5EF4-FFF2-40B4-BE49-F238E27FC236}">
+                <a16:creationId xmlns:a16="http://schemas.microsoft.com/office/drawing/2014/main" id="{FCF3D2BB-8550-0213-741F-4FDD358F7931}"/>
+              </a:ext>
+            </a:extLst>
+          </p:cNvPr>
+          <p:cNvSpPr txBox="1"/>
+          <p:nvPr/>
+        </p:nvSpPr>
+        <p:spPr>
+          <a:xfrm>
+            <a:off x="9456417" y="5678034"/>
+            <a:ext cx="1792224" cy="369332"/>
+          </a:xfrm>
+          <a:prstGeom prst="rect">
+            <a:avLst/>
+          </a:prstGeom>
+          <a:noFill/>
+        </p:spPr>
+        <p:txBody>
+          <a:bodyPr wrap="square" rtlCol="0">
+            <a:spAutoFit/>
+          </a:bodyPr>
+          <a:lstStyle/>
+          <a:p>
+            <a:pPr algn="ctr"/>
+            <a:r>
+              <a:rPr lang="en-US" dirty="0"/>
+              <a:t>Metrics</a:t>
+            </a:r>
+          </a:p>
+        </p:txBody>
+      </p:sp>
+    </p:spTree>
+    <p:extLst>
+      <p:ext uri="{BB962C8B-B14F-4D97-AF65-F5344CB8AC3E}">
+        <p14:creationId xmlns:p14="http://schemas.microsoft.com/office/powerpoint/2010/main" val="3238305945"/>
+      </p:ext>
+    </p:extLst>
+  </p:cSld>
+  <p:clrMapOvr>
+    <a:masterClrMapping/>
+  </p:clrMapOvr>
+  <p:timing>
+    <p:tnLst>
+      <p:par>
+        <p:cTn id="1" dur="indefinite" restart="never" nodeType="tmRoot">
+          <p:childTnLst>
+            <p:seq concurrent="1" nextAc="seek">
+              <p:cTn id="2" dur="indefinite" nodeType="mainSeq">
+                <p:childTnLst>
+                  <p:par>
+                    <p:cTn id="3" fill="hold">
+                      <p:stCondLst>
+                        <p:cond delay="indefinite"/>
+                      </p:stCondLst>
+                      <p:childTnLst>
+                        <p:par>
+                          <p:cTn id="4" fill="hold">
+                            <p:stCondLst>
+                              <p:cond delay="0"/>
+                            </p:stCondLst>
+                            <p:childTnLst>
+                              <p:par>
+                                <p:cTn id="5" presetID="1" presetClass="entr" presetSubtype="0" fill="hold" nodeType="clickEffect">
+                                  <p:stCondLst>
+                                    <p:cond delay="0"/>
+                                  </p:stCondLst>
+                                  <p:childTnLst>
+                                    <p:set>
+                                      <p:cBhvr>
+                                        <p:cTn id="6" dur="1" fill="hold">
+                                          <p:stCondLst>
+                                            <p:cond delay="0"/>
+                                          </p:stCondLst>
+                                        </p:cTn>
+                                        <p:tgtEl>
+                                          <p:spTgt spid="7"/>
+                                        </p:tgtEl>
+                                        <p:attrNameLst>
+                                          <p:attrName>style.visibility</p:attrName>
+                                        </p:attrNameLst>
+                                      </p:cBhvr>
+                                      <p:to>
+                                        <p:strVal val="visible"/>
+                                      </p:to>
+                                    </p:set>
+                                  </p:childTnLst>
+                                </p:cTn>
+                              </p:par>
+                              <p:par>
+                                <p:cTn id="7" presetID="1" presetClass="entr" presetSubtype="0" fill="hold" grpId="0" nodeType="withEffect">
+                                  <p:stCondLst>
+                                    <p:cond delay="0"/>
+                                  </p:stCondLst>
+                                  <p:childTnLst>
+                                    <p:set>
+                                      <p:cBhvr>
+                                        <p:cTn id="8" dur="1" fill="hold">
+                                          <p:stCondLst>
+                                            <p:cond delay="0"/>
+                                          </p:stCondLst>
+                                        </p:cTn>
+                                        <p:tgtEl>
+                                          <p:spTgt spid="9"/>
+                                        </p:tgtEl>
+                                        <p:attrNameLst>
+                                          <p:attrName>style.visibility</p:attrName>
+                                        </p:attrNameLst>
+                                      </p:cBhvr>
+                                      <p:to>
+                                        <p:strVal val="visible"/>
+                                      </p:to>
+                                    </p:set>
+                                  </p:childTnLst>
+                                </p:cTn>
+                              </p:par>
+                            </p:childTnLst>
+                          </p:cTn>
+                        </p:par>
+                      </p:childTnLst>
+                    </p:cTn>
+                  </p:par>
+                  <p:par>
+                    <p:cTn id="9" fill="hold">
+                      <p:stCondLst>
+                        <p:cond delay="indefinite"/>
+                      </p:stCondLst>
+                      <p:childTnLst>
+                        <p:par>
+                          <p:cTn id="10" fill="hold">
+                            <p:stCondLst>
+                              <p:cond delay="0"/>
+                            </p:stCondLst>
+                            <p:childTnLst>
+                              <p:par>
+                                <p:cTn id="11" presetID="1" presetClass="entr" presetSubtype="0" fill="hold" nodeType="clickEffect">
+                                  <p:stCondLst>
+                                    <p:cond delay="0"/>
+                                  </p:stCondLst>
+                                  <p:childTnLst>
+                                    <p:set>
+                                      <p:cBhvr>
+                                        <p:cTn id="12" dur="1" fill="hold">
+                                          <p:stCondLst>
+                                            <p:cond delay="0"/>
+                                          </p:stCondLst>
+                                        </p:cTn>
+                                        <p:tgtEl>
+                                          <p:spTgt spid="1026"/>
+                                        </p:tgtEl>
+                                        <p:attrNameLst>
+                                          <p:attrName>style.visibility</p:attrName>
+                                        </p:attrNameLst>
+                                      </p:cBhvr>
+                                      <p:to>
+                                        <p:strVal val="visible"/>
+                                      </p:to>
+                                    </p:set>
+                                  </p:childTnLst>
+                                </p:cTn>
+                              </p:par>
+                              <p:par>
+                                <p:cTn id="13" presetID="1" presetClass="entr" presetSubtype="0" fill="hold" grpId="0" nodeType="withEffect">
+                                  <p:stCondLst>
+                                    <p:cond delay="0"/>
+                                  </p:stCondLst>
+                                  <p:childTnLst>
+                                    <p:set>
+                                      <p:cBhvr>
+                                        <p:cTn id="14" dur="1" fill="hold">
+                                          <p:stCondLst>
+                                            <p:cond delay="0"/>
+                                          </p:stCondLst>
+                                        </p:cTn>
+                                        <p:tgtEl>
+                                          <p:spTgt spid="8"/>
+                                        </p:tgtEl>
+                                        <p:attrNameLst>
+                                          <p:attrName>style.visibility</p:attrName>
+                                        </p:attrNameLst>
+                                      </p:cBhvr>
+                                      <p:to>
+                                        <p:strVal val="visible"/>
+                                      </p:to>
+                                    </p:set>
+                                  </p:childTnLst>
+                                </p:cTn>
+                              </p:par>
+                            </p:childTnLst>
+                          </p:cTn>
+                        </p:par>
+                      </p:childTnLst>
+                    </p:cTn>
+                  </p:par>
+                  <p:par>
+                    <p:cTn id="15" fill="hold">
+                      <p:stCondLst>
+                        <p:cond delay="indefinite"/>
+                      </p:stCondLst>
+                      <p:childTnLst>
+                        <p:par>
+                          <p:cTn id="16" fill="hold">
+                            <p:stCondLst>
+                              <p:cond delay="0"/>
+                            </p:stCondLst>
+                            <p:childTnLst>
+                              <p:par>
+                                <p:cTn id="17" presetID="1" presetClass="entr" presetSubtype="0" fill="hold" nodeType="clickEffect">
+                                  <p:stCondLst>
+                                    <p:cond delay="0"/>
+                                  </p:stCondLst>
+                                  <p:childTnLst>
+                                    <p:set>
+                                      <p:cBhvr>
+                                        <p:cTn id="18" dur="1" fill="hold">
+                                          <p:stCondLst>
+                                            <p:cond delay="0"/>
+                                          </p:stCondLst>
+                                        </p:cTn>
+                                        <p:tgtEl>
+                                          <p:spTgt spid="1028"/>
+                                        </p:tgtEl>
+                                        <p:attrNameLst>
+                                          <p:attrName>style.visibility</p:attrName>
+                                        </p:attrNameLst>
+                                      </p:cBhvr>
+                                      <p:to>
+                                        <p:strVal val="visible"/>
+                                      </p:to>
+                                    </p:set>
+                                  </p:childTnLst>
+                                </p:cTn>
+                              </p:par>
+                              <p:par>
+                                <p:cTn id="19" presetID="1" presetClass="entr" presetSubtype="0" fill="hold" grpId="0" nodeType="withEffect">
+                                  <p:stCondLst>
+                                    <p:cond delay="0"/>
+                                  </p:stCondLst>
+                                  <p:childTnLst>
+                                    <p:set>
+                                      <p:cBhvr>
+                                        <p:cTn id="20" dur="1" fill="hold">
+                                          <p:stCondLst>
+                                            <p:cond delay="0"/>
+                                          </p:stCondLst>
+                                        </p:cTn>
+                                        <p:tgtEl>
+                                          <p:spTgt spid="10"/>
+                                        </p:tgtEl>
+                                        <p:attrNameLst>
+                                          <p:attrName>style.visibility</p:attrName>
+                                        </p:attrNameLst>
+                                      </p:cBhvr>
+                                      <p:to>
+                                        <p:strVal val="visible"/>
+                                      </p:to>
+                                    </p:set>
+                                  </p:childTnLst>
+                                </p:cTn>
+                              </p:par>
+                            </p:childTnLst>
+                          </p:cTn>
+                        </p:par>
+                      </p:childTnLst>
+                    </p:cTn>
+                  </p:par>
+                </p:childTnLst>
+              </p:cTn>
+              <p:prevCondLst>
+                <p:cond evt="onPrev" delay="0">
+                  <p:tgtEl>
+                    <p:sldTgt/>
+                  </p:tgtEl>
+                </p:cond>
+              </p:prevCondLst>
+              <p:nextCondLst>
+                <p:cond evt="onNext" delay="0">
+                  <p:tgtEl>
+                    <p:sldTgt/>
+                  </p:tgtEl>
+                </p:cond>
+              </p:nextCondLst>
+            </p:seq>
+          </p:childTnLst>
+        </p:cTn>
+      </p:par>
+    </p:tnLst>
+    <p:bldLst>
+      <p:bldP spid="8" grpId="0"/>
+      <p:bldP spid="9" grpId="0"/>
+      <p:bldP spid="10" grpId="0"/>
+    </p:bldLst>
+  </p:timing>
+</p:sld>
+</file>
+
+<file path=ppt/slides/slide5.xml><?xml version="1.0" encoding="utf-8"?>
+<p:sld xmlns:a="http://schemas.openxmlformats.org/drawingml/2006/main" xmlns:r="http://schemas.openxmlformats.org/officeDocument/2006/relationships" xmlns:p="http://schemas.openxmlformats.org/presentationml/2006/main">
+  <p:cSld>
+    <p:spTree>
+      <p:nvGrpSpPr>
+        <p:cNvPr id="1" name=""/>
+        <p:cNvGrpSpPr/>
+        <p:nvPr/>
+      </p:nvGrpSpPr>
+      <p:grpSpPr>
+        <a:xfrm>
+          <a:off x="0" y="0"/>
+          <a:ext cx="0" cy="0"/>
+          <a:chOff x="0" y="0"/>
+          <a:chExt cx="0" cy="0"/>
+        </a:xfrm>
+      </p:grpSpPr>
+      <p:sp>
+        <p:nvSpPr>
+          <p:cNvPr id="6" name="Title 5">
+            <a:extLst>
+              <a:ext uri="{FF2B5EF4-FFF2-40B4-BE49-F238E27FC236}">
+                <a16:creationId xmlns:a16="http://schemas.microsoft.com/office/drawing/2014/main" id="{21124D09-E0A7-4211-BB03-831CB82644BC}"/>
+              </a:ext>
+            </a:extLst>
+          </p:cNvPr>
+          <p:cNvSpPr>
+            <a:spLocks noGrp="1"/>
+          </p:cNvSpPr>
+          <p:nvPr>
+            <p:ph type="title"/>
+          </p:nvPr>
+        </p:nvSpPr>
+        <p:spPr/>
+        <p:txBody>
+          <a:bodyPr/>
+          <a:lstStyle/>
+          <a:p>
+            <a:r>
+              <a:rPr lang="en-US" dirty="0"/>
+              <a:t>Reporting Traces - </a:t>
+            </a:r>
+            <a:r>
+              <a:rPr lang="en-US" dirty="0" err="1"/>
+              <a:t>Zipkin</a:t>
+            </a:r>
+            <a:endParaRPr lang="en-US" dirty="0"/>
+          </a:p>
+        </p:txBody>
+      </p:sp>
+      <p:sp>
+        <p:nvSpPr>
+          <p:cNvPr id="2" name="Date Placeholder 1">
+            <a:extLst>
+              <a:ext uri="{FF2B5EF4-FFF2-40B4-BE49-F238E27FC236}">
+                <a16:creationId xmlns:a16="http://schemas.microsoft.com/office/drawing/2014/main" id="{88E9D3BB-40DD-4C16-B505-5F8812E2416A}"/>
+              </a:ext>
+            </a:extLst>
+          </p:cNvPr>
+          <p:cNvSpPr>
+            <a:spLocks noGrp="1"/>
+          </p:cNvSpPr>
+          <p:nvPr>
+            <p:ph type="dt" sz="half" idx="10"/>
+          </p:nvPr>
+        </p:nvSpPr>
+        <p:spPr/>
+        <p:txBody>
+          <a:bodyPr/>
+          <a:lstStyle/>
+          <a:p>
+            <a:r>
+              <a:rPr lang="en-US"/>
+              <a:t>@jbogard</a:t>
+            </a:r>
+            <a:endParaRPr lang="en-US" dirty="0"/>
+          </a:p>
+        </p:txBody>
+      </p:sp>
+      <p:sp>
+        <p:nvSpPr>
+          <p:cNvPr id="3" name="Rectangle 2">
+            <a:extLst>
+              <a:ext uri="{FF2B5EF4-FFF2-40B4-BE49-F238E27FC236}">
+                <a16:creationId xmlns:a16="http://schemas.microsoft.com/office/drawing/2014/main" id="{32A0D808-05AF-4FC2-A7BB-225721BAFD90}"/>
+              </a:ext>
+            </a:extLst>
+          </p:cNvPr>
+          <p:cNvSpPr/>
+          <p:nvPr/>
+        </p:nvSpPr>
+        <p:spPr>
+          <a:xfrm>
+            <a:off x="951908" y="2432642"/>
+            <a:ext cx="1677190" cy="1184456"/>
+          </a:xfrm>
+          <a:prstGeom prst="rect">
+            <a:avLst/>
+          </a:prstGeom>
+        </p:spPr>
+        <p:style>
+          <a:lnRef idx="2">
+            <a:schemeClr val="accent1">
+              <a:shade val="50000"/>
+            </a:schemeClr>
+          </a:lnRef>
+          <a:fillRef idx="1">
+            <a:schemeClr val="accent1"/>
+          </a:fillRef>
+          <a:effectRef idx="0">
+            <a:schemeClr val="accent1"/>
+          </a:effectRef>
+          <a:fontRef idx="minor">
+            <a:schemeClr val="lt1"/>
+          </a:fontRef>
+        </p:style>
+        <p:txBody>
+          <a:bodyPr rtlCol="0" anchor="ctr"/>
+          <a:lstStyle/>
+          <a:p>
+            <a:pPr algn="ctr"/>
+            <a:r>
+              <a:rPr lang="en-US" dirty="0"/>
+              <a:t>API</a:t>
+            </a:r>
+          </a:p>
+        </p:txBody>
+      </p:sp>
+      <p:sp>
+        <p:nvSpPr>
+          <p:cNvPr id="4" name="Rectangle 3">
+            <a:extLst>
+              <a:ext uri="{FF2B5EF4-FFF2-40B4-BE49-F238E27FC236}">
+                <a16:creationId xmlns:a16="http://schemas.microsoft.com/office/drawing/2014/main" id="{5C837401-EF96-4293-BA60-C7DE15FEB070}"/>
+              </a:ext>
+            </a:extLst>
+          </p:cNvPr>
+          <p:cNvSpPr/>
+          <p:nvPr/>
+        </p:nvSpPr>
+        <p:spPr>
+          <a:xfrm>
+            <a:off x="5119219" y="2432642"/>
+            <a:ext cx="1677190" cy="1184456"/>
+          </a:xfrm>
+          <a:prstGeom prst="rect">
+            <a:avLst/>
+          </a:prstGeom>
+        </p:spPr>
+        <p:style>
+          <a:lnRef idx="2">
+            <a:schemeClr val="accent2">
+              <a:shade val="50000"/>
+            </a:schemeClr>
+          </a:lnRef>
+          <a:fillRef idx="1">
+            <a:schemeClr val="accent2"/>
+          </a:fillRef>
+          <a:effectRef idx="0">
+            <a:schemeClr val="accent2"/>
+          </a:effectRef>
+          <a:fontRef idx="minor">
+            <a:schemeClr val="lt1"/>
+          </a:fontRef>
+        </p:style>
+        <p:txBody>
+          <a:bodyPr rtlCol="0" anchor="ctr"/>
+          <a:lstStyle/>
+          <a:p>
+            <a:pPr algn="ctr"/>
+            <a:r>
+              <a:rPr lang="en-US" dirty="0"/>
+              <a:t>Worker Service</a:t>
+            </a:r>
+          </a:p>
+        </p:txBody>
+      </p:sp>
+      <p:sp>
+        <p:nvSpPr>
+          <p:cNvPr id="5" name="Rectangle 4">
+            <a:extLst>
+              <a:ext uri="{FF2B5EF4-FFF2-40B4-BE49-F238E27FC236}">
+                <a16:creationId xmlns:a16="http://schemas.microsoft.com/office/drawing/2014/main" id="{2FD4FE61-0D7B-43C1-AE39-50B6BF03E9E9}"/>
+              </a:ext>
+            </a:extLst>
+          </p:cNvPr>
+          <p:cNvSpPr/>
+          <p:nvPr/>
+        </p:nvSpPr>
+        <p:spPr>
+          <a:xfrm>
+            <a:off x="9251391" y="2432642"/>
+            <a:ext cx="1677190" cy="1184456"/>
+          </a:xfrm>
+          <a:prstGeom prst="rect">
+            <a:avLst/>
+          </a:prstGeom>
+        </p:spPr>
+        <p:style>
+          <a:lnRef idx="2">
+            <a:schemeClr val="accent6">
+              <a:shade val="50000"/>
+            </a:schemeClr>
+          </a:lnRef>
+          <a:fillRef idx="1">
+            <a:schemeClr val="accent6"/>
+          </a:fillRef>
+          <a:effectRef idx="0">
+            <a:schemeClr val="accent6"/>
+          </a:effectRef>
+          <a:fontRef idx="minor">
+            <a:schemeClr val="lt1"/>
+          </a:fontRef>
+        </p:style>
+        <p:txBody>
+          <a:bodyPr rtlCol="0" anchor="ctr"/>
+          <a:lstStyle/>
+          <a:p>
+            <a:pPr algn="ctr"/>
+            <a:r>
+              <a:rPr lang="en-US" dirty="0"/>
+              <a:t>Other Worker Service</a:t>
+            </a:r>
+          </a:p>
+        </p:txBody>
+      </p:sp>
+      <p:cxnSp>
+        <p:nvCxnSpPr>
+          <p:cNvPr id="7" name="Straight Arrow Connector 6">
+            <a:extLst>
+              <a:ext uri="{FF2B5EF4-FFF2-40B4-BE49-F238E27FC236}">
+                <a16:creationId xmlns:a16="http://schemas.microsoft.com/office/drawing/2014/main" id="{DC57C76D-34A9-40BA-92D1-4340DAF37561}"/>
+              </a:ext>
+            </a:extLst>
+          </p:cNvPr>
+          <p:cNvCxnSpPr>
+            <a:stCxn id="3" idx="3"/>
+            <a:endCxn id="4" idx="1"/>
+          </p:cNvCxnSpPr>
+          <p:nvPr/>
+        </p:nvCxnSpPr>
+        <p:spPr>
+          <a:xfrm>
+            <a:off x="2629098" y="3024870"/>
+            <a:ext cx="2490121" cy="0"/>
+          </a:xfrm>
+          <a:prstGeom prst="straightConnector1">
+            <a:avLst/>
+          </a:prstGeom>
+          <a:ln w="38100" cap="flat" cmpd="sng" algn="ctr">
+            <a:solidFill>
+              <a:schemeClr val="dk1"/>
+            </a:solidFill>
+            <a:prstDash val="solid"/>
+            <a:round/>
+            <a:headEnd type="arrow" w="med" len="med"/>
+            <a:tailEnd type="arrow" w="med" len="med"/>
+          </a:ln>
+        </p:spPr>
+        <p:style>
+          <a:lnRef idx="0">
+            <a:scrgbClr r="0" g="0" b="0"/>
+          </a:lnRef>
+          <a:fillRef idx="0">
+            <a:scrgbClr r="0" g="0" b="0"/>
+          </a:fillRef>
+          <a:effectRef idx="0">
+            <a:scrgbClr r="0" g="0" b="0"/>
+          </a:effectRef>
+          <a:fontRef idx="minor">
+            <a:schemeClr val="tx1"/>
+          </a:fontRef>
+        </p:style>
+      </p:cxnSp>
+      <p:cxnSp>
+        <p:nvCxnSpPr>
+          <p:cNvPr id="8" name="Straight Arrow Connector 7">
+            <a:extLst>
+              <a:ext uri="{FF2B5EF4-FFF2-40B4-BE49-F238E27FC236}">
+                <a16:creationId xmlns:a16="http://schemas.microsoft.com/office/drawing/2014/main" id="{CC214570-C7E8-4681-93E5-42C99EAA7169}"/>
+              </a:ext>
+            </a:extLst>
+          </p:cNvPr>
+          <p:cNvCxnSpPr>
+            <a:cxnSpLocks/>
+            <a:stCxn id="4" idx="3"/>
+            <a:endCxn id="5" idx="1"/>
+          </p:cNvCxnSpPr>
+          <p:nvPr/>
+        </p:nvCxnSpPr>
+        <p:spPr>
+          <a:xfrm>
+            <a:off x="6796409" y="3024870"/>
+            <a:ext cx="2454982" cy="0"/>
+          </a:xfrm>
+          <a:prstGeom prst="straightConnector1">
+            <a:avLst/>
+          </a:prstGeom>
+          <a:ln w="38100" cap="flat" cmpd="sng" algn="ctr">
+            <a:solidFill>
+              <a:schemeClr val="dk1"/>
+            </a:solidFill>
+            <a:prstDash val="solid"/>
+            <a:round/>
+            <a:headEnd type="arrow" w="med" len="med"/>
+            <a:tailEnd type="arrow" w="med" len="med"/>
+          </a:ln>
+        </p:spPr>
+        <p:style>
+          <a:lnRef idx="0">
+            <a:scrgbClr r="0" g="0" b="0"/>
+          </a:lnRef>
+          <a:fillRef idx="0">
+            <a:scrgbClr r="0" g="0" b="0"/>
+          </a:fillRef>
+          <a:effectRef idx="0">
+            <a:scrgbClr r="0" g="0" b="0"/>
+          </a:effectRef>
+          <a:fontRef idx="minor">
+            <a:schemeClr val="tx1"/>
+          </a:fontRef>
+        </p:style>
+      </p:cxnSp>
+      <p:grpSp>
+        <p:nvGrpSpPr>
+          <p:cNvPr id="11" name="Group 10">
+            <a:extLst>
+              <a:ext uri="{FF2B5EF4-FFF2-40B4-BE49-F238E27FC236}">
+                <a16:creationId xmlns:a16="http://schemas.microsoft.com/office/drawing/2014/main" id="{D6D47B53-8CB1-43EA-8176-26AF64AFB94B}"/>
+              </a:ext>
+            </a:extLst>
+          </p:cNvPr>
+          <p:cNvGrpSpPr/>
+          <p:nvPr>
+            <p:custDataLst>
+              <p:tags r:id="rId1"/>
+            </p:custDataLst>
+          </p:nvPr>
+        </p:nvGrpSpPr>
+        <p:grpSpPr>
+          <a:xfrm>
+            <a:off x="8518282" y="3365401"/>
+            <a:ext cx="618146" cy="381000"/>
+            <a:chOff x="838200" y="3886200"/>
+            <a:chExt cx="914400" cy="609600"/>
+          </a:xfrm>
+        </p:grpSpPr>
+        <p:sp>
+          <p:nvSpPr>
+            <p:cNvPr id="12" name="Rectangle 11">
+              <a:extLst>
+                <a:ext uri="{FF2B5EF4-FFF2-40B4-BE49-F238E27FC236}">
+                  <a16:creationId xmlns:a16="http://schemas.microsoft.com/office/drawing/2014/main" id="{F6F3DE86-3DBF-4FD6-B57C-BF2928F390F1}"/>
+                </a:ext>
+              </a:extLst>
+            </p:cNvPr>
+            <p:cNvSpPr/>
+            <p:nvPr/>
+          </p:nvSpPr>
+          <p:spPr>
+            <a:xfrm>
+              <a:off x="838200" y="3886200"/>
+              <a:ext cx="914400" cy="609600"/>
+            </a:xfrm>
+            <a:prstGeom prst="rect">
+              <a:avLst/>
+            </a:prstGeom>
+            <a:gradFill>
+              <a:gsLst>
+                <a:gs pos="100000">
+                  <a:schemeClr val="tx1">
+                    <a:lumMod val="50000"/>
+                    <a:lumOff val="50000"/>
+                  </a:schemeClr>
+                </a:gs>
+                <a:gs pos="48000">
+                  <a:schemeClr val="accent1">
+                    <a:tint val="44500"/>
+                    <a:satMod val="160000"/>
+                  </a:schemeClr>
+                </a:gs>
+                <a:gs pos="0">
+                  <a:schemeClr val="accent1">
+                    <a:tint val="23500"/>
+                    <a:satMod val="160000"/>
+                  </a:schemeClr>
+                </a:gs>
+              </a:gsLst>
+              <a:path path="circle">
+                <a:fillToRect l="50000" t="50000" r="50000" b="50000"/>
+              </a:path>
+            </a:gradFill>
+            <a:ln w="12700">
+              <a:solidFill>
+                <a:schemeClr val="tx1"/>
+              </a:solidFill>
+            </a:ln>
+          </p:spPr>
+          <p:style>
+            <a:lnRef idx="2">
+              <a:schemeClr val="accent1">
+                <a:shade val="50000"/>
+              </a:schemeClr>
+            </a:lnRef>
+            <a:fillRef idx="1">
+              <a:schemeClr val="accent1"/>
+            </a:fillRef>
+            <a:effectRef idx="0">
+              <a:schemeClr val="accent1"/>
+            </a:effectRef>
+            <a:fontRef idx="minor">
+              <a:schemeClr val="lt1"/>
+            </a:fontRef>
+          </p:style>
+          <p:txBody>
+            <a:bodyPr rtlCol="0" anchor="ctr"/>
+            <a:lstStyle/>
+            <a:p>
+              <a:pPr algn="ctr"/>
+              <a:endParaRPr lang="en-US"/>
+            </a:p>
+          </p:txBody>
+        </p:sp>
+        <p:sp>
+          <p:nvSpPr>
+            <p:cNvPr id="13" name="Isosceles Triangle 12">
+              <a:extLst>
+                <a:ext uri="{FF2B5EF4-FFF2-40B4-BE49-F238E27FC236}">
+                  <a16:creationId xmlns:a16="http://schemas.microsoft.com/office/drawing/2014/main" id="{6C7B53B0-A8D2-4D10-A698-4D84821DEB87}"/>
+                </a:ext>
+              </a:extLst>
+            </p:cNvPr>
+            <p:cNvSpPr/>
+            <p:nvPr/>
+          </p:nvSpPr>
+          <p:spPr>
+            <a:xfrm>
+              <a:off x="838200" y="4114800"/>
+              <a:ext cx="914400" cy="381000"/>
+            </a:xfrm>
+            <a:prstGeom prst="triangle">
+              <a:avLst/>
+            </a:prstGeom>
+            <a:noFill/>
+            <a:ln w="12700">
+              <a:solidFill>
+                <a:schemeClr val="tx1"/>
+              </a:solidFill>
+            </a:ln>
+          </p:spPr>
+          <p:style>
+            <a:lnRef idx="2">
+              <a:schemeClr val="accent1">
+                <a:shade val="50000"/>
+              </a:schemeClr>
+            </a:lnRef>
+            <a:fillRef idx="1">
+              <a:schemeClr val="accent1"/>
+            </a:fillRef>
+            <a:effectRef idx="0">
+              <a:schemeClr val="accent1"/>
+            </a:effectRef>
+            <a:fontRef idx="minor">
+              <a:schemeClr val="lt1"/>
+            </a:fontRef>
+          </p:style>
+          <p:txBody>
+            <a:bodyPr rtlCol="0" anchor="ctr"/>
+            <a:lstStyle/>
+            <a:p>
+              <a:pPr algn="ctr"/>
+              <a:endParaRPr lang="en-US"/>
+            </a:p>
+          </p:txBody>
+        </p:sp>
+        <p:sp>
+          <p:nvSpPr>
+            <p:cNvPr id="14" name="Isosceles Triangle 13">
+              <a:extLst>
+                <a:ext uri="{FF2B5EF4-FFF2-40B4-BE49-F238E27FC236}">
+                  <a16:creationId xmlns:a16="http://schemas.microsoft.com/office/drawing/2014/main" id="{2E3B5631-67DA-4008-8DD9-22D719044BFE}"/>
+                </a:ext>
+              </a:extLst>
+            </p:cNvPr>
+            <p:cNvSpPr/>
+            <p:nvPr/>
+          </p:nvSpPr>
+          <p:spPr>
+            <a:xfrm rot="10800000">
+              <a:off x="838200" y="3886200"/>
+              <a:ext cx="914400" cy="381000"/>
+            </a:xfrm>
+            <a:prstGeom prst="triangle">
+              <a:avLst/>
+            </a:prstGeom>
+            <a:gradFill flip="none" rotWithShape="1">
+              <a:gsLst>
+                <a:gs pos="100000">
+                  <a:schemeClr val="bg1">
+                    <a:lumMod val="85000"/>
+                  </a:schemeClr>
+                </a:gs>
+                <a:gs pos="48000">
+                  <a:schemeClr val="accent1">
+                    <a:tint val="44500"/>
+                    <a:satMod val="160000"/>
+                  </a:schemeClr>
+                </a:gs>
+                <a:gs pos="0">
+                  <a:schemeClr val="accent1">
+                    <a:tint val="23500"/>
+                    <a:satMod val="160000"/>
+                  </a:schemeClr>
+                </a:gs>
+              </a:gsLst>
+              <a:lin ang="16200000" scaled="1"/>
+              <a:tileRect/>
+            </a:gradFill>
+            <a:ln w="12700">
+              <a:solidFill>
+                <a:schemeClr val="tx1"/>
+              </a:solidFill>
+            </a:ln>
+          </p:spPr>
+          <p:style>
+            <a:lnRef idx="2">
+              <a:schemeClr val="accent1">
+                <a:shade val="50000"/>
+              </a:schemeClr>
+            </a:lnRef>
+            <a:fillRef idx="1">
+              <a:schemeClr val="accent1"/>
+            </a:fillRef>
+            <a:effectRef idx="0">
+              <a:schemeClr val="accent1"/>
+            </a:effectRef>
+            <a:fontRef idx="minor">
+              <a:schemeClr val="lt1"/>
+            </a:fontRef>
+          </p:style>
+          <p:txBody>
+            <a:bodyPr rtlCol="0" anchor="ctr"/>
+            <a:lstStyle/>
+            <a:p>
+              <a:pPr algn="ctr"/>
+              <a:endParaRPr lang="en-US"/>
+            </a:p>
+          </p:txBody>
+        </p:sp>
+      </p:grpSp>
+      <p:cxnSp>
+        <p:nvCxnSpPr>
+          <p:cNvPr id="22" name="Straight Arrow Connector 21">
+            <a:extLst>
+              <a:ext uri="{FF2B5EF4-FFF2-40B4-BE49-F238E27FC236}">
+                <a16:creationId xmlns:a16="http://schemas.microsoft.com/office/drawing/2014/main" id="{252EDC05-C990-4020-A5A4-7E066C023AD5}"/>
+              </a:ext>
+            </a:extLst>
+          </p:cNvPr>
+          <p:cNvCxnSpPr>
+            <a:cxnSpLocks/>
+            <a:stCxn id="3" idx="2"/>
+            <a:endCxn id="1026" idx="1"/>
+          </p:cNvCxnSpPr>
+          <p:nvPr/>
+        </p:nvCxnSpPr>
+        <p:spPr>
+          <a:xfrm>
+            <a:off x="1790503" y="3617098"/>
+            <a:ext cx="3344142" cy="2126086"/>
+          </a:xfrm>
+          <a:prstGeom prst="straightConnector1">
+            <a:avLst/>
+          </a:prstGeom>
+          <a:ln w="38100" cap="flat" cmpd="sng" algn="ctr">
+            <a:solidFill>
+              <a:schemeClr val="dk1"/>
+            </a:solidFill>
+            <a:prstDash val="solid"/>
+            <a:round/>
+            <a:headEnd type="none" w="med" len="med"/>
+            <a:tailEnd type="arrow" w="med" len="med"/>
+          </a:ln>
+        </p:spPr>
+        <p:style>
+          <a:lnRef idx="0">
+            <a:scrgbClr r="0" g="0" b="0"/>
+          </a:lnRef>
+          <a:fillRef idx="0">
+            <a:scrgbClr r="0" g="0" b="0"/>
+          </a:fillRef>
+          <a:effectRef idx="0">
+            <a:scrgbClr r="0" g="0" b="0"/>
+          </a:effectRef>
+          <a:fontRef idx="minor">
+            <a:schemeClr val="tx1"/>
+          </a:fontRef>
+        </p:style>
+      </p:cxnSp>
+      <p:pic>
+        <p:nvPicPr>
+          <p:cNvPr id="1026" name="Picture 2" descr="OpenZipkin · A distributed tracing system">
+            <a:extLst>
+              <a:ext uri="{FF2B5EF4-FFF2-40B4-BE49-F238E27FC236}">
+                <a16:creationId xmlns:a16="http://schemas.microsoft.com/office/drawing/2014/main" id="{D89BEC98-F26B-4CBC-8519-106AC735CF3A}"/>
+              </a:ext>
+            </a:extLst>
+          </p:cNvPr>
+          <p:cNvPicPr>
+            <a:picLocks noChangeAspect="1" noChangeArrowheads="1"/>
+          </p:cNvPicPr>
+          <p:nvPr/>
+        </p:nvPicPr>
+        <p:blipFill>
+          <a:blip r:embed="rId3" cstate="print">
+            <a:extLst>
+              <a:ext uri="{28A0092B-C50C-407E-A947-70E740481C1C}">
+                <a14:useLocalDpi xmlns:a14="http://schemas.microsoft.com/office/drawing/2010/main" val="0"/>
+              </a:ext>
+            </a:extLst>
+          </a:blip>
+          <a:srcRect/>
+          <a:stretch>
+            <a:fillRect/>
+          </a:stretch>
+        </p:blipFill>
+        <p:spPr bwMode="auto">
+          <a:xfrm>
+            <a:off x="5134645" y="4764893"/>
+            <a:ext cx="1646337" cy="1956582"/>
+          </a:xfrm>
+          <a:prstGeom prst="rect">
+            <a:avLst/>
+          </a:prstGeom>
+          <a:noFill/>
+          <a:extLst>
+            <a:ext uri="{909E8E84-426E-40DD-AFC4-6F175D3DCCD1}">
+              <a14:hiddenFill xmlns:a14="http://schemas.microsoft.com/office/drawing/2010/main">
+                <a:solidFill>
+                  <a:srgbClr val="FFFFFF"/>
+                </a:solidFill>
+              </a14:hiddenFill>
+            </a:ext>
+          </a:extLst>
+        </p:spPr>
+      </p:pic>
+      <p:cxnSp>
+        <p:nvCxnSpPr>
+          <p:cNvPr id="26" name="Straight Arrow Connector 25">
+            <a:extLst>
+              <a:ext uri="{FF2B5EF4-FFF2-40B4-BE49-F238E27FC236}">
+                <a16:creationId xmlns:a16="http://schemas.microsoft.com/office/drawing/2014/main" id="{2DFBCA20-86F8-4373-908F-63D42B2C0489}"/>
+              </a:ext>
+            </a:extLst>
+          </p:cNvPr>
+          <p:cNvCxnSpPr>
+            <a:cxnSpLocks/>
+            <a:stCxn id="4" idx="2"/>
+            <a:endCxn id="1026" idx="0"/>
+          </p:cNvCxnSpPr>
+          <p:nvPr/>
+        </p:nvCxnSpPr>
+        <p:spPr>
+          <a:xfrm>
+            <a:off x="5957814" y="3617098"/>
+            <a:ext cx="0" cy="1147795"/>
+          </a:xfrm>
+          <a:prstGeom prst="straightConnector1">
+            <a:avLst/>
+          </a:prstGeom>
+          <a:ln w="38100" cap="flat" cmpd="sng" algn="ctr">
+            <a:solidFill>
+              <a:schemeClr val="dk1"/>
+            </a:solidFill>
+            <a:prstDash val="solid"/>
+            <a:round/>
+            <a:headEnd type="none" w="med" len="med"/>
+            <a:tailEnd type="arrow" w="med" len="med"/>
+          </a:ln>
+        </p:spPr>
+        <p:style>
+          <a:lnRef idx="0">
+            <a:scrgbClr r="0" g="0" b="0"/>
+          </a:lnRef>
+          <a:fillRef idx="0">
+            <a:scrgbClr r="0" g="0" b="0"/>
+          </a:fillRef>
+          <a:effectRef idx="0">
+            <a:scrgbClr r="0" g="0" b="0"/>
+          </a:effectRef>
+          <a:fontRef idx="minor">
+            <a:schemeClr val="tx1"/>
+          </a:fontRef>
+        </p:style>
+      </p:cxnSp>
+      <p:cxnSp>
+        <p:nvCxnSpPr>
+          <p:cNvPr id="31" name="Straight Arrow Connector 30">
+            <a:extLst>
+              <a:ext uri="{FF2B5EF4-FFF2-40B4-BE49-F238E27FC236}">
+                <a16:creationId xmlns:a16="http://schemas.microsoft.com/office/drawing/2014/main" id="{20673CC6-57B6-430E-9FC1-6F497C2D39FB}"/>
+              </a:ext>
+            </a:extLst>
+          </p:cNvPr>
+          <p:cNvCxnSpPr>
+            <a:cxnSpLocks/>
+            <a:stCxn id="5" idx="2"/>
+            <a:endCxn id="1026" idx="3"/>
+          </p:cNvCxnSpPr>
+          <p:nvPr/>
+        </p:nvCxnSpPr>
+        <p:spPr>
+          <a:xfrm flipH="1">
+            <a:off x="6780982" y="3617098"/>
+            <a:ext cx="3309004" cy="2126086"/>
+          </a:xfrm>
+          <a:prstGeom prst="straightConnector1">
+            <a:avLst/>
+          </a:prstGeom>
+          <a:ln w="38100" cap="flat" cmpd="sng" algn="ctr">
+            <a:solidFill>
+              <a:schemeClr val="dk1"/>
+            </a:solidFill>
+            <a:prstDash val="solid"/>
+            <a:round/>
+            <a:headEnd type="none" w="med" len="med"/>
+            <a:tailEnd type="arrow" w="med" len="med"/>
+          </a:ln>
+        </p:spPr>
+        <p:style>
+          <a:lnRef idx="0">
+            <a:scrgbClr r="0" g="0" b="0"/>
+          </a:lnRef>
+          <a:fillRef idx="0">
+            <a:scrgbClr r="0" g="0" b="0"/>
+          </a:fillRef>
+          <a:effectRef idx="0">
+            <a:scrgbClr r="0" g="0" b="0"/>
+          </a:effectRef>
+          <a:fontRef idx="minor">
+            <a:schemeClr val="tx1"/>
+          </a:fontRef>
+        </p:style>
+      </p:cxnSp>
+    </p:spTree>
+    <p:extLst>
+      <p:ext uri="{BB962C8B-B14F-4D97-AF65-F5344CB8AC3E}">
+        <p14:creationId xmlns:p14="http://schemas.microsoft.com/office/powerpoint/2010/main" val="2058444623"/>
+      </p:ext>
+    </p:extLst>
+  </p:cSld>
+  <p:clrMapOvr>
+    <a:masterClrMapping/>
+  </p:clrMapOvr>
+</p:sld>
+</file>
+
+<file path=ppt/slides/slide6.xml><?xml version="1.0" encoding="utf-8"?>
+<p:sld xmlns:a="http://schemas.openxmlformats.org/drawingml/2006/main" xmlns:r="http://schemas.openxmlformats.org/officeDocument/2006/relationships" xmlns:p="http://schemas.openxmlformats.org/presentationml/2006/main">
+  <p:cSld>
+    <p:spTree>
+      <p:nvGrpSpPr>
+        <p:cNvPr id="1" name=""/>
+        <p:cNvGrpSpPr/>
+        <p:nvPr/>
+      </p:nvGrpSpPr>
+      <p:grpSpPr>
+        <a:xfrm>
+          <a:off x="0" y="0"/>
+          <a:ext cx="0" cy="0"/>
+          <a:chOff x="0" y="0"/>
+          <a:chExt cx="0" cy="0"/>
+        </a:xfrm>
+      </p:grpSpPr>
+      <p:sp>
+        <p:nvSpPr>
+          <p:cNvPr id="6" name="Title 5">
+            <a:extLst>
+              <a:ext uri="{FF2B5EF4-FFF2-40B4-BE49-F238E27FC236}">
+                <a16:creationId xmlns:a16="http://schemas.microsoft.com/office/drawing/2014/main" id="{21124D09-E0A7-4211-BB03-831CB82644BC}"/>
+              </a:ext>
+            </a:extLst>
+          </p:cNvPr>
+          <p:cNvSpPr>
+            <a:spLocks noGrp="1"/>
+          </p:cNvSpPr>
+          <p:nvPr>
+            <p:ph type="title"/>
+          </p:nvPr>
+        </p:nvSpPr>
+        <p:spPr/>
+        <p:txBody>
+          <a:bodyPr/>
+          <a:lstStyle/>
+          <a:p>
+            <a:r>
+              <a:rPr lang="en-US" dirty="0"/>
+              <a:t>Reporting Traces - Jaeger</a:t>
+            </a:r>
+          </a:p>
+        </p:txBody>
+      </p:sp>
+      <p:sp>
+        <p:nvSpPr>
+          <p:cNvPr id="2" name="Date Placeholder 1">
+            <a:extLst>
+              <a:ext uri="{FF2B5EF4-FFF2-40B4-BE49-F238E27FC236}">
+                <a16:creationId xmlns:a16="http://schemas.microsoft.com/office/drawing/2014/main" id="{88E9D3BB-40DD-4C16-B505-5F8812E2416A}"/>
+              </a:ext>
+            </a:extLst>
+          </p:cNvPr>
+          <p:cNvSpPr>
+            <a:spLocks noGrp="1"/>
+          </p:cNvSpPr>
+          <p:nvPr>
+            <p:ph type="dt" sz="half" idx="10"/>
+          </p:nvPr>
+        </p:nvSpPr>
+        <p:spPr/>
+        <p:txBody>
+          <a:bodyPr/>
+          <a:lstStyle/>
+          <a:p>
+            <a:r>
+              <a:rPr lang="en-US"/>
+              <a:t>@jbogard</a:t>
+            </a:r>
+            <a:endParaRPr lang="en-US" dirty="0"/>
+          </a:p>
+        </p:txBody>
+      </p:sp>
+      <p:sp>
+        <p:nvSpPr>
+          <p:cNvPr id="3" name="Rectangle 2">
+            <a:extLst>
+              <a:ext uri="{FF2B5EF4-FFF2-40B4-BE49-F238E27FC236}">
+                <a16:creationId xmlns:a16="http://schemas.microsoft.com/office/drawing/2014/main" id="{32A0D808-05AF-4FC2-A7BB-225721BAFD90}"/>
+              </a:ext>
+            </a:extLst>
+          </p:cNvPr>
+          <p:cNvSpPr/>
+          <p:nvPr/>
+        </p:nvSpPr>
+        <p:spPr>
+          <a:xfrm>
+            <a:off x="951908" y="2432642"/>
+            <a:ext cx="1677190" cy="1184456"/>
+          </a:xfrm>
+          <a:prstGeom prst="rect">
+            <a:avLst/>
+          </a:prstGeom>
+        </p:spPr>
+        <p:style>
+          <a:lnRef idx="2">
+            <a:schemeClr val="accent1">
+              <a:shade val="50000"/>
+            </a:schemeClr>
+          </a:lnRef>
+          <a:fillRef idx="1">
+            <a:schemeClr val="accent1"/>
+          </a:fillRef>
+          <a:effectRef idx="0">
+            <a:schemeClr val="accent1"/>
+          </a:effectRef>
+          <a:fontRef idx="minor">
+            <a:schemeClr val="lt1"/>
+          </a:fontRef>
+        </p:style>
+        <p:txBody>
+          <a:bodyPr rtlCol="0" anchor="ctr"/>
+          <a:lstStyle/>
+          <a:p>
+            <a:pPr algn="ctr"/>
+            <a:r>
+              <a:rPr lang="en-US" dirty="0"/>
+              <a:t>API</a:t>
+            </a:r>
+          </a:p>
+        </p:txBody>
+      </p:sp>
+      <p:sp>
+        <p:nvSpPr>
+          <p:cNvPr id="4" name="Rectangle 3">
+            <a:extLst>
+              <a:ext uri="{FF2B5EF4-FFF2-40B4-BE49-F238E27FC236}">
+                <a16:creationId xmlns:a16="http://schemas.microsoft.com/office/drawing/2014/main" id="{5C837401-EF96-4293-BA60-C7DE15FEB070}"/>
+              </a:ext>
+            </a:extLst>
+          </p:cNvPr>
+          <p:cNvSpPr/>
+          <p:nvPr/>
+        </p:nvSpPr>
+        <p:spPr>
+          <a:xfrm>
+            <a:off x="5119219" y="2432642"/>
+            <a:ext cx="1677190" cy="1184456"/>
+          </a:xfrm>
+          <a:prstGeom prst="rect">
+            <a:avLst/>
+          </a:prstGeom>
+        </p:spPr>
+        <p:style>
+          <a:lnRef idx="2">
+            <a:schemeClr val="accent2">
+              <a:shade val="50000"/>
+            </a:schemeClr>
+          </a:lnRef>
+          <a:fillRef idx="1">
+            <a:schemeClr val="accent2"/>
+          </a:fillRef>
+          <a:effectRef idx="0">
+            <a:schemeClr val="accent2"/>
+          </a:effectRef>
+          <a:fontRef idx="minor">
+            <a:schemeClr val="lt1"/>
+          </a:fontRef>
+        </p:style>
+        <p:txBody>
+          <a:bodyPr rtlCol="0" anchor="ctr"/>
+          <a:lstStyle/>
+          <a:p>
+            <a:pPr algn="ctr"/>
+            <a:r>
+              <a:rPr lang="en-US" dirty="0"/>
+              <a:t>Worker Service</a:t>
+            </a:r>
+          </a:p>
+        </p:txBody>
+      </p:sp>
+      <p:sp>
+        <p:nvSpPr>
+          <p:cNvPr id="5" name="Rectangle 4">
+            <a:extLst>
+              <a:ext uri="{FF2B5EF4-FFF2-40B4-BE49-F238E27FC236}">
+                <a16:creationId xmlns:a16="http://schemas.microsoft.com/office/drawing/2014/main" id="{2FD4FE61-0D7B-43C1-AE39-50B6BF03E9E9}"/>
+              </a:ext>
+            </a:extLst>
+          </p:cNvPr>
+          <p:cNvSpPr/>
+          <p:nvPr/>
+        </p:nvSpPr>
+        <p:spPr>
+          <a:xfrm>
+            <a:off x="9251391" y="2432642"/>
+            <a:ext cx="1677190" cy="1184456"/>
+          </a:xfrm>
+          <a:prstGeom prst="rect">
+            <a:avLst/>
+          </a:prstGeom>
+        </p:spPr>
+        <p:style>
+          <a:lnRef idx="2">
+            <a:schemeClr val="accent6">
+              <a:shade val="50000"/>
+            </a:schemeClr>
+          </a:lnRef>
+          <a:fillRef idx="1">
+            <a:schemeClr val="accent6"/>
+          </a:fillRef>
+          <a:effectRef idx="0">
+            <a:schemeClr val="accent6"/>
+          </a:effectRef>
+          <a:fontRef idx="minor">
+            <a:schemeClr val="lt1"/>
+          </a:fontRef>
+        </p:style>
+        <p:txBody>
+          <a:bodyPr rtlCol="0" anchor="ctr"/>
+          <a:lstStyle/>
+          <a:p>
+            <a:pPr algn="ctr"/>
+            <a:r>
+              <a:rPr lang="en-US" dirty="0"/>
+              <a:t>Other Worker Service</a:t>
+            </a:r>
+          </a:p>
+        </p:txBody>
+      </p:sp>
+      <p:cxnSp>
+        <p:nvCxnSpPr>
+          <p:cNvPr id="7" name="Straight Arrow Connector 6">
+            <a:extLst>
+              <a:ext uri="{FF2B5EF4-FFF2-40B4-BE49-F238E27FC236}">
+                <a16:creationId xmlns:a16="http://schemas.microsoft.com/office/drawing/2014/main" id="{DC57C76D-34A9-40BA-92D1-4340DAF37561}"/>
+              </a:ext>
+            </a:extLst>
+          </p:cNvPr>
+          <p:cNvCxnSpPr>
+            <a:stCxn id="3" idx="3"/>
+            <a:endCxn id="4" idx="1"/>
+          </p:cNvCxnSpPr>
+          <p:nvPr/>
+        </p:nvCxnSpPr>
+        <p:spPr>
+          <a:xfrm>
+            <a:off x="2629098" y="3024870"/>
+            <a:ext cx="2490121" cy="0"/>
+          </a:xfrm>
+          <a:prstGeom prst="straightConnector1">
+            <a:avLst/>
+          </a:prstGeom>
+          <a:ln w="38100" cap="flat" cmpd="sng" algn="ctr">
+            <a:solidFill>
+              <a:schemeClr val="dk1"/>
+            </a:solidFill>
+            <a:prstDash val="solid"/>
+            <a:round/>
+            <a:headEnd type="arrow" w="med" len="med"/>
+            <a:tailEnd type="arrow" w="med" len="med"/>
+          </a:ln>
+        </p:spPr>
+        <p:style>
+          <a:lnRef idx="0">
+            <a:scrgbClr r="0" g="0" b="0"/>
+          </a:lnRef>
+          <a:fillRef idx="0">
+            <a:scrgbClr r="0" g="0" b="0"/>
+          </a:fillRef>
+          <a:effectRef idx="0">
+            <a:scrgbClr r="0" g="0" b="0"/>
+          </a:effectRef>
+          <a:fontRef idx="minor">
+            <a:schemeClr val="tx1"/>
+          </a:fontRef>
+        </p:style>
+      </p:cxnSp>
+      <p:cxnSp>
+        <p:nvCxnSpPr>
+          <p:cNvPr id="8" name="Straight Arrow Connector 7">
+            <a:extLst>
+              <a:ext uri="{FF2B5EF4-FFF2-40B4-BE49-F238E27FC236}">
+                <a16:creationId xmlns:a16="http://schemas.microsoft.com/office/drawing/2014/main" id="{CC214570-C7E8-4681-93E5-42C99EAA7169}"/>
+              </a:ext>
+            </a:extLst>
+          </p:cNvPr>
+          <p:cNvCxnSpPr>
+            <a:cxnSpLocks/>
+            <a:stCxn id="4" idx="3"/>
+            <a:endCxn id="5" idx="1"/>
+          </p:cNvCxnSpPr>
+          <p:nvPr/>
+        </p:nvCxnSpPr>
+        <p:spPr>
+          <a:xfrm>
+            <a:off x="6796409" y="3024870"/>
+            <a:ext cx="2454982" cy="0"/>
+          </a:xfrm>
+          <a:prstGeom prst="straightConnector1">
+            <a:avLst/>
+          </a:prstGeom>
+          <a:ln w="38100" cap="flat" cmpd="sng" algn="ctr">
+            <a:solidFill>
+              <a:schemeClr val="dk1"/>
+            </a:solidFill>
+            <a:prstDash val="solid"/>
+            <a:round/>
+            <a:headEnd type="arrow" w="med" len="med"/>
+            <a:tailEnd type="arrow" w="med" len="med"/>
+          </a:ln>
+        </p:spPr>
+        <p:style>
+          <a:lnRef idx="0">
+            <a:scrgbClr r="0" g="0" b="0"/>
+          </a:lnRef>
+          <a:fillRef idx="0">
+            <a:scrgbClr r="0" g="0" b="0"/>
+          </a:fillRef>
+          <a:effectRef idx="0">
+            <a:scrgbClr r="0" g="0" b="0"/>
+          </a:effectRef>
+          <a:fontRef idx="minor">
+            <a:schemeClr val="tx1"/>
+          </a:fontRef>
+        </p:style>
+      </p:cxnSp>
+      <p:grpSp>
+        <p:nvGrpSpPr>
+          <p:cNvPr id="11" name="Group 10">
+            <a:extLst>
+              <a:ext uri="{FF2B5EF4-FFF2-40B4-BE49-F238E27FC236}">
+                <a16:creationId xmlns:a16="http://schemas.microsoft.com/office/drawing/2014/main" id="{D6D47B53-8CB1-43EA-8176-26AF64AFB94B}"/>
+              </a:ext>
+            </a:extLst>
+          </p:cNvPr>
+          <p:cNvGrpSpPr/>
+          <p:nvPr>
+            <p:custDataLst>
+              <p:tags r:id="rId1"/>
+            </p:custDataLst>
+          </p:nvPr>
+        </p:nvGrpSpPr>
+        <p:grpSpPr>
+          <a:xfrm>
+            <a:off x="8518282" y="3365401"/>
+            <a:ext cx="618146" cy="381000"/>
+            <a:chOff x="838200" y="3886200"/>
+            <a:chExt cx="914400" cy="609600"/>
+          </a:xfrm>
+        </p:grpSpPr>
+        <p:sp>
+          <p:nvSpPr>
+            <p:cNvPr id="12" name="Rectangle 11">
+              <a:extLst>
+                <a:ext uri="{FF2B5EF4-FFF2-40B4-BE49-F238E27FC236}">
+                  <a16:creationId xmlns:a16="http://schemas.microsoft.com/office/drawing/2014/main" id="{F6F3DE86-3DBF-4FD6-B57C-BF2928F390F1}"/>
+                </a:ext>
+              </a:extLst>
+            </p:cNvPr>
+            <p:cNvSpPr/>
+            <p:nvPr/>
+          </p:nvSpPr>
+          <p:spPr>
+            <a:xfrm>
+              <a:off x="838200" y="3886200"/>
+              <a:ext cx="914400" cy="609600"/>
+            </a:xfrm>
+            <a:prstGeom prst="rect">
+              <a:avLst/>
+            </a:prstGeom>
+            <a:gradFill>
+              <a:gsLst>
+                <a:gs pos="100000">
+                  <a:schemeClr val="tx1">
+                    <a:lumMod val="50000"/>
+                    <a:lumOff val="50000"/>
+                  </a:schemeClr>
+                </a:gs>
+                <a:gs pos="48000">
+                  <a:schemeClr val="accent1">
+                    <a:tint val="44500"/>
+                    <a:satMod val="160000"/>
+                  </a:schemeClr>
+                </a:gs>
+                <a:gs pos="0">
+                  <a:schemeClr val="accent1">
+                    <a:tint val="23500"/>
+                    <a:satMod val="160000"/>
+                  </a:schemeClr>
+                </a:gs>
+              </a:gsLst>
+              <a:path path="circle">
+                <a:fillToRect l="50000" t="50000" r="50000" b="50000"/>
+              </a:path>
+            </a:gradFill>
+            <a:ln w="12700">
+              <a:solidFill>
+                <a:schemeClr val="tx1"/>
+              </a:solidFill>
+            </a:ln>
+          </p:spPr>
+          <p:style>
+            <a:lnRef idx="2">
+              <a:schemeClr val="accent1">
+                <a:shade val="50000"/>
+              </a:schemeClr>
+            </a:lnRef>
+            <a:fillRef idx="1">
+              <a:schemeClr val="accent1"/>
+            </a:fillRef>
+            <a:effectRef idx="0">
+              <a:schemeClr val="accent1"/>
+            </a:effectRef>
+            <a:fontRef idx="minor">
+              <a:schemeClr val="lt1"/>
+            </a:fontRef>
+          </p:style>
+          <p:txBody>
+            <a:bodyPr rtlCol="0" anchor="ctr"/>
+            <a:lstStyle/>
+            <a:p>
+              <a:pPr algn="ctr"/>
+              <a:endParaRPr lang="en-US"/>
+            </a:p>
+          </p:txBody>
+        </p:sp>
+        <p:sp>
+          <p:nvSpPr>
+            <p:cNvPr id="13" name="Isosceles Triangle 12">
+              <a:extLst>
+                <a:ext uri="{FF2B5EF4-FFF2-40B4-BE49-F238E27FC236}">
+                  <a16:creationId xmlns:a16="http://schemas.microsoft.com/office/drawing/2014/main" id="{6C7B53B0-A8D2-4D10-A698-4D84821DEB87}"/>
+                </a:ext>
+              </a:extLst>
+            </p:cNvPr>
+            <p:cNvSpPr/>
+            <p:nvPr/>
+          </p:nvSpPr>
+          <p:spPr>
+            <a:xfrm>
+              <a:off x="838200" y="4114800"/>
+              <a:ext cx="914400" cy="381000"/>
+            </a:xfrm>
+            <a:prstGeom prst="triangle">
+              <a:avLst/>
+            </a:prstGeom>
+            <a:noFill/>
+            <a:ln w="12700">
+              <a:solidFill>
+                <a:schemeClr val="tx1"/>
+              </a:solidFill>
+            </a:ln>
+          </p:spPr>
+          <p:style>
+            <a:lnRef idx="2">
+              <a:schemeClr val="accent1">
+                <a:shade val="50000"/>
+              </a:schemeClr>
+            </a:lnRef>
+            <a:fillRef idx="1">
+              <a:schemeClr val="accent1"/>
+            </a:fillRef>
+            <a:effectRef idx="0">
+              <a:schemeClr val="accent1"/>
+            </a:effectRef>
+            <a:fontRef idx="minor">
+              <a:schemeClr val="lt1"/>
+            </a:fontRef>
+          </p:style>
+          <p:txBody>
+            <a:bodyPr rtlCol="0" anchor="ctr"/>
+            <a:lstStyle/>
+            <a:p>
+              <a:pPr algn="ctr"/>
+              <a:endParaRPr lang="en-US"/>
+            </a:p>
+          </p:txBody>
+        </p:sp>
+        <p:sp>
+          <p:nvSpPr>
+            <p:cNvPr id="14" name="Isosceles Triangle 13">
+              <a:extLst>
+                <a:ext uri="{FF2B5EF4-FFF2-40B4-BE49-F238E27FC236}">
+                  <a16:creationId xmlns:a16="http://schemas.microsoft.com/office/drawing/2014/main" id="{2E3B5631-67DA-4008-8DD9-22D719044BFE}"/>
+                </a:ext>
+              </a:extLst>
+            </p:cNvPr>
+            <p:cNvSpPr/>
+            <p:nvPr/>
+          </p:nvSpPr>
+          <p:spPr>
+            <a:xfrm rot="10800000">
+              <a:off x="838200" y="3886200"/>
+              <a:ext cx="914400" cy="381000"/>
+            </a:xfrm>
+            <a:prstGeom prst="triangle">
+              <a:avLst/>
+            </a:prstGeom>
+            <a:gradFill flip="none" rotWithShape="1">
+              <a:gsLst>
+                <a:gs pos="100000">
+                  <a:schemeClr val="bg1">
+                    <a:lumMod val="85000"/>
+                  </a:schemeClr>
+                </a:gs>
+                <a:gs pos="48000">
+                  <a:schemeClr val="accent1">
+                    <a:tint val="44500"/>
+                    <a:satMod val="160000"/>
+                  </a:schemeClr>
+                </a:gs>
+                <a:gs pos="0">
+                  <a:schemeClr val="accent1">
+                    <a:tint val="23500"/>
+                    <a:satMod val="160000"/>
+                  </a:schemeClr>
+                </a:gs>
+              </a:gsLst>
+              <a:lin ang="16200000" scaled="1"/>
+              <a:tileRect/>
+            </a:gradFill>
+            <a:ln w="12700">
+              <a:solidFill>
+                <a:schemeClr val="tx1"/>
+              </a:solidFill>
+            </a:ln>
+          </p:spPr>
+          <p:style>
+            <a:lnRef idx="2">
+              <a:schemeClr val="accent1">
+                <a:shade val="50000"/>
+              </a:schemeClr>
+            </a:lnRef>
+            <a:fillRef idx="1">
+              <a:schemeClr val="accent1"/>
+            </a:fillRef>
+            <a:effectRef idx="0">
+              <a:schemeClr val="accent1"/>
+            </a:effectRef>
+            <a:fontRef idx="minor">
+              <a:schemeClr val="lt1"/>
+            </a:fontRef>
+          </p:style>
+          <p:txBody>
+            <a:bodyPr rtlCol="0" anchor="ctr"/>
+            <a:lstStyle/>
+            <a:p>
+              <a:pPr algn="ctr"/>
+              <a:endParaRPr lang="en-US"/>
+            </a:p>
+          </p:txBody>
+        </p:sp>
+      </p:grpSp>
+      <p:cxnSp>
+        <p:nvCxnSpPr>
+          <p:cNvPr id="22" name="Straight Arrow Connector 21">
+            <a:extLst>
+              <a:ext uri="{FF2B5EF4-FFF2-40B4-BE49-F238E27FC236}">
+                <a16:creationId xmlns:a16="http://schemas.microsoft.com/office/drawing/2014/main" id="{252EDC05-C990-4020-A5A4-7E066C023AD5}"/>
+              </a:ext>
+            </a:extLst>
+          </p:cNvPr>
+          <p:cNvCxnSpPr>
+            <a:cxnSpLocks/>
+            <a:stCxn id="3" idx="2"/>
+            <a:endCxn id="2050" idx="1"/>
+          </p:cNvCxnSpPr>
+          <p:nvPr/>
+        </p:nvCxnSpPr>
+        <p:spPr>
+          <a:xfrm>
+            <a:off x="1790503" y="3617098"/>
+            <a:ext cx="3318056" cy="2034505"/>
+          </a:xfrm>
+          <a:prstGeom prst="straightConnector1">
+            <a:avLst/>
+          </a:prstGeom>
+          <a:ln w="38100" cap="flat" cmpd="sng" algn="ctr">
+            <a:solidFill>
+              <a:schemeClr val="dk1"/>
+            </a:solidFill>
+            <a:prstDash val="solid"/>
+            <a:round/>
+            <a:headEnd type="none" w="med" len="med"/>
+            <a:tailEnd type="arrow" w="med" len="med"/>
+          </a:ln>
+        </p:spPr>
+        <p:style>
+          <a:lnRef idx="0">
+            <a:scrgbClr r="0" g="0" b="0"/>
+          </a:lnRef>
+          <a:fillRef idx="0">
+            <a:scrgbClr r="0" g="0" b="0"/>
+          </a:fillRef>
+          <a:effectRef idx="0">
+            <a:scrgbClr r="0" g="0" b="0"/>
+          </a:effectRef>
+          <a:fontRef idx="minor">
+            <a:schemeClr val="tx1"/>
+          </a:fontRef>
+        </p:style>
+      </p:cxnSp>
+      <p:cxnSp>
+        <p:nvCxnSpPr>
+          <p:cNvPr id="26" name="Straight Arrow Connector 25">
+            <a:extLst>
+              <a:ext uri="{FF2B5EF4-FFF2-40B4-BE49-F238E27FC236}">
+                <a16:creationId xmlns:a16="http://schemas.microsoft.com/office/drawing/2014/main" id="{2DFBCA20-86F8-4373-908F-63D42B2C0489}"/>
+              </a:ext>
+            </a:extLst>
+          </p:cNvPr>
+          <p:cNvCxnSpPr>
+            <a:cxnSpLocks/>
+            <a:stCxn id="4" idx="2"/>
+            <a:endCxn id="2050" idx="0"/>
+          </p:cNvCxnSpPr>
+          <p:nvPr/>
+        </p:nvCxnSpPr>
+        <p:spPr>
+          <a:xfrm>
+            <a:off x="5957814" y="3617098"/>
+            <a:ext cx="0" cy="1185250"/>
+          </a:xfrm>
+          <a:prstGeom prst="straightConnector1">
+            <a:avLst/>
+          </a:prstGeom>
+          <a:ln w="38100" cap="flat" cmpd="sng" algn="ctr">
+            <a:solidFill>
+              <a:schemeClr val="dk1"/>
+            </a:solidFill>
+            <a:prstDash val="solid"/>
+            <a:round/>
+            <a:headEnd type="none" w="med" len="med"/>
+            <a:tailEnd type="arrow" w="med" len="med"/>
+          </a:ln>
+        </p:spPr>
+        <p:style>
+          <a:lnRef idx="0">
+            <a:scrgbClr r="0" g="0" b="0"/>
+          </a:lnRef>
+          <a:fillRef idx="0">
+            <a:scrgbClr r="0" g="0" b="0"/>
+          </a:fillRef>
+          <a:effectRef idx="0">
+            <a:scrgbClr r="0" g="0" b="0"/>
+          </a:effectRef>
+          <a:fontRef idx="minor">
+            <a:schemeClr val="tx1"/>
+          </a:fontRef>
+        </p:style>
+      </p:cxnSp>
+      <p:cxnSp>
+        <p:nvCxnSpPr>
+          <p:cNvPr id="31" name="Straight Arrow Connector 30">
+            <a:extLst>
+              <a:ext uri="{FF2B5EF4-FFF2-40B4-BE49-F238E27FC236}">
+                <a16:creationId xmlns:a16="http://schemas.microsoft.com/office/drawing/2014/main" id="{20673CC6-57B6-430E-9FC1-6F497C2D39FB}"/>
+              </a:ext>
+            </a:extLst>
+          </p:cNvPr>
+          <p:cNvCxnSpPr>
+            <a:cxnSpLocks/>
+            <a:stCxn id="5" idx="2"/>
+            <a:endCxn id="2050" idx="3"/>
+          </p:cNvCxnSpPr>
+          <p:nvPr/>
+        </p:nvCxnSpPr>
+        <p:spPr>
+          <a:xfrm flipH="1">
+            <a:off x="6807069" y="3617098"/>
+            <a:ext cx="3282917" cy="2034505"/>
+          </a:xfrm>
+          <a:prstGeom prst="straightConnector1">
+            <a:avLst/>
+          </a:prstGeom>
+          <a:ln w="38100" cap="flat" cmpd="sng" algn="ctr">
+            <a:solidFill>
+              <a:schemeClr val="dk1"/>
+            </a:solidFill>
+            <a:prstDash val="solid"/>
+            <a:round/>
+            <a:headEnd type="none" w="med" len="med"/>
+            <a:tailEnd type="arrow" w="med" len="med"/>
+          </a:ln>
+        </p:spPr>
+        <p:style>
+          <a:lnRef idx="0">
+            <a:scrgbClr r="0" g="0" b="0"/>
+          </a:lnRef>
+          <a:fillRef idx="0">
+            <a:scrgbClr r="0" g="0" b="0"/>
+          </a:fillRef>
+          <a:effectRef idx="0">
+            <a:scrgbClr r="0" g="0" b="0"/>
+          </a:effectRef>
+          <a:fontRef idx="minor">
+            <a:schemeClr val="tx1"/>
+          </a:fontRef>
+        </p:style>
+      </p:cxnSp>
+      <p:pic>
+        <p:nvPicPr>
+          <p:cNvPr id="2050" name="Picture 2" descr="Jaeger: open source, end-to-end distributed tracing">
+            <a:extLst>
+              <a:ext uri="{FF2B5EF4-FFF2-40B4-BE49-F238E27FC236}">
+                <a16:creationId xmlns:a16="http://schemas.microsoft.com/office/drawing/2014/main" id="{F7117AFC-7950-46B8-81F9-A1EF3DBC288E}"/>
+              </a:ext>
+            </a:extLst>
+          </p:cNvPr>
+          <p:cNvPicPr>
+            <a:picLocks noChangeAspect="1" noChangeArrowheads="1"/>
+          </p:cNvPicPr>
+          <p:nvPr/>
+        </p:nvPicPr>
+        <p:blipFill>
+          <a:blip r:embed="rId3" cstate="print">
+            <a:extLst>
+              <a:ext uri="{28A0092B-C50C-407E-A947-70E740481C1C}">
+                <a14:useLocalDpi xmlns:a14="http://schemas.microsoft.com/office/drawing/2010/main" val="0"/>
+              </a:ext>
+            </a:extLst>
+          </a:blip>
+          <a:srcRect/>
+          <a:stretch>
+            <a:fillRect/>
+          </a:stretch>
+        </p:blipFill>
+        <p:spPr bwMode="auto">
+          <a:xfrm>
+            <a:off x="5108559" y="4802348"/>
+            <a:ext cx="1698510" cy="1698510"/>
+          </a:xfrm>
+          <a:prstGeom prst="rect">
+            <a:avLst/>
+          </a:prstGeom>
+          <a:noFill/>
+          <a:extLst>
+            <a:ext uri="{909E8E84-426E-40DD-AFC4-6F175D3DCCD1}">
+              <a14:hiddenFill xmlns:a14="http://schemas.microsoft.com/office/drawing/2010/main">
+                <a:solidFill>
+                  <a:srgbClr val="FFFFFF"/>
+                </a:solidFill>
+              </a14:hiddenFill>
+            </a:ext>
+          </a:extLst>
+        </p:spPr>
+      </p:pic>
+    </p:spTree>
+    <p:extLst>
+      <p:ext uri="{BB962C8B-B14F-4D97-AF65-F5344CB8AC3E}">
+        <p14:creationId xmlns:p14="http://schemas.microsoft.com/office/powerpoint/2010/main" val="610396763"/>
+      </p:ext>
+    </p:extLst>
+  </p:cSld>
+  <p:clrMapOvr>
+    <a:masterClrMapping/>
+  </p:clrMapOvr>
+</p:sld>
+</file>
+
+<file path=ppt/slides/slide7.xml><?xml version="1.0" encoding="utf-8"?>
+<p:sld xmlns:a="http://schemas.openxmlformats.org/drawingml/2006/main" xmlns:r="http://schemas.openxmlformats.org/officeDocument/2006/relationships" xmlns:p="http://schemas.openxmlformats.org/presentationml/2006/main">
+  <p:cSld>
+    <p:spTree>
+      <p:nvGrpSpPr>
+        <p:cNvPr id="1" name=""/>
+        <p:cNvGrpSpPr/>
+        <p:nvPr/>
+      </p:nvGrpSpPr>
+      <p:grpSpPr>
+        <a:xfrm>
+          <a:off x="0" y="0"/>
+          <a:ext cx="0" cy="0"/>
+          <a:chOff x="0" y="0"/>
+          <a:chExt cx="0" cy="0"/>
+        </a:xfrm>
+      </p:grpSpPr>
+      <p:sp>
+        <p:nvSpPr>
+          <p:cNvPr id="6" name="Title 5">
+            <a:extLst>
+              <a:ext uri="{FF2B5EF4-FFF2-40B4-BE49-F238E27FC236}">
+                <a16:creationId xmlns:a16="http://schemas.microsoft.com/office/drawing/2014/main" id="{21124D09-E0A7-4211-BB03-831CB82644BC}"/>
+              </a:ext>
+            </a:extLst>
+          </p:cNvPr>
+          <p:cNvSpPr>
+            <a:spLocks noGrp="1"/>
+          </p:cNvSpPr>
+          <p:nvPr>
+            <p:ph type="title"/>
+          </p:nvPr>
+        </p:nvSpPr>
+        <p:spPr/>
+        <p:txBody>
+          <a:bodyPr/>
+          <a:lstStyle/>
+          <a:p>
+            <a:r>
+              <a:rPr lang="en-US" dirty="0" err="1"/>
+              <a:t>OpenTelemetry</a:t>
+            </a:r>
+            <a:endParaRPr lang="en-US" dirty="0"/>
+          </a:p>
+        </p:txBody>
+      </p:sp>
+      <p:sp>
+        <p:nvSpPr>
+          <p:cNvPr id="2" name="Date Placeholder 1">
+            <a:extLst>
+              <a:ext uri="{FF2B5EF4-FFF2-40B4-BE49-F238E27FC236}">
+                <a16:creationId xmlns:a16="http://schemas.microsoft.com/office/drawing/2014/main" id="{88E9D3BB-40DD-4C16-B505-5F8812E2416A}"/>
+              </a:ext>
+            </a:extLst>
+          </p:cNvPr>
+          <p:cNvSpPr>
+            <a:spLocks noGrp="1"/>
+          </p:cNvSpPr>
+          <p:nvPr>
+            <p:ph type="dt" sz="half" idx="10"/>
+          </p:nvPr>
+        </p:nvSpPr>
+        <p:spPr/>
+        <p:txBody>
+          <a:bodyPr/>
+          <a:lstStyle/>
+          <a:p>
+            <a:r>
+              <a:rPr lang="en-US"/>
+              <a:t>@jbogard</a:t>
+            </a:r>
+            <a:endParaRPr lang="en-US" dirty="0"/>
+          </a:p>
+        </p:txBody>
+      </p:sp>
+      <p:sp>
+        <p:nvSpPr>
+          <p:cNvPr id="3" name="Rectangle 2">
+            <a:extLst>
+              <a:ext uri="{FF2B5EF4-FFF2-40B4-BE49-F238E27FC236}">
+                <a16:creationId xmlns:a16="http://schemas.microsoft.com/office/drawing/2014/main" id="{32A0D808-05AF-4FC2-A7BB-225721BAFD90}"/>
+              </a:ext>
+            </a:extLst>
+          </p:cNvPr>
+          <p:cNvSpPr/>
+          <p:nvPr/>
+        </p:nvSpPr>
+        <p:spPr>
+          <a:xfrm>
+            <a:off x="947170" y="1690688"/>
+            <a:ext cx="1677190" cy="1184456"/>
+          </a:xfrm>
+          <a:prstGeom prst="rect">
+            <a:avLst/>
+          </a:prstGeom>
+        </p:spPr>
+        <p:style>
+          <a:lnRef idx="2">
+            <a:schemeClr val="accent1">
+              <a:shade val="50000"/>
+            </a:schemeClr>
+          </a:lnRef>
+          <a:fillRef idx="1">
+            <a:schemeClr val="accent1"/>
+          </a:fillRef>
+          <a:effectRef idx="0">
+            <a:schemeClr val="accent1"/>
+          </a:effectRef>
+          <a:fontRef idx="minor">
+            <a:schemeClr val="lt1"/>
+          </a:fontRef>
+        </p:style>
+        <p:txBody>
+          <a:bodyPr rtlCol="0" anchor="ctr"/>
+          <a:lstStyle/>
+          <a:p>
+            <a:pPr algn="ctr"/>
+            <a:r>
+              <a:rPr lang="en-US" dirty="0"/>
+              <a:t>API</a:t>
+            </a:r>
+          </a:p>
+        </p:txBody>
+      </p:sp>
+      <p:sp>
+        <p:nvSpPr>
+          <p:cNvPr id="4" name="Rectangle 3">
+            <a:extLst>
+              <a:ext uri="{FF2B5EF4-FFF2-40B4-BE49-F238E27FC236}">
+                <a16:creationId xmlns:a16="http://schemas.microsoft.com/office/drawing/2014/main" id="{5C837401-EF96-4293-BA60-C7DE15FEB070}"/>
+              </a:ext>
+            </a:extLst>
+          </p:cNvPr>
+          <p:cNvSpPr/>
+          <p:nvPr/>
+        </p:nvSpPr>
+        <p:spPr>
+          <a:xfrm>
+            <a:off x="5114481" y="1690688"/>
+            <a:ext cx="1677190" cy="1184456"/>
+          </a:xfrm>
+          <a:prstGeom prst="rect">
+            <a:avLst/>
+          </a:prstGeom>
+        </p:spPr>
+        <p:style>
+          <a:lnRef idx="2">
+            <a:schemeClr val="accent2">
+              <a:shade val="50000"/>
+            </a:schemeClr>
+          </a:lnRef>
+          <a:fillRef idx="1">
+            <a:schemeClr val="accent2"/>
+          </a:fillRef>
+          <a:effectRef idx="0">
+            <a:schemeClr val="accent2"/>
+          </a:effectRef>
+          <a:fontRef idx="minor">
+            <a:schemeClr val="lt1"/>
+          </a:fontRef>
+        </p:style>
+        <p:txBody>
+          <a:bodyPr rtlCol="0" anchor="ctr"/>
+          <a:lstStyle/>
+          <a:p>
+            <a:pPr algn="ctr"/>
+            <a:r>
+              <a:rPr lang="en-US" dirty="0"/>
+              <a:t>Worker Service</a:t>
+            </a:r>
+          </a:p>
+        </p:txBody>
+      </p:sp>
+      <p:sp>
+        <p:nvSpPr>
+          <p:cNvPr id="5" name="Rectangle 4">
+            <a:extLst>
+              <a:ext uri="{FF2B5EF4-FFF2-40B4-BE49-F238E27FC236}">
+                <a16:creationId xmlns:a16="http://schemas.microsoft.com/office/drawing/2014/main" id="{2FD4FE61-0D7B-43C1-AE39-50B6BF03E9E9}"/>
+              </a:ext>
+            </a:extLst>
+          </p:cNvPr>
+          <p:cNvSpPr/>
+          <p:nvPr/>
+        </p:nvSpPr>
+        <p:spPr>
+          <a:xfrm>
+            <a:off x="9246653" y="1690688"/>
+            <a:ext cx="1677190" cy="1184456"/>
+          </a:xfrm>
+          <a:prstGeom prst="rect">
+            <a:avLst/>
+          </a:prstGeom>
+        </p:spPr>
+        <p:style>
+          <a:lnRef idx="2">
+            <a:schemeClr val="accent6">
+              <a:shade val="50000"/>
+            </a:schemeClr>
+          </a:lnRef>
+          <a:fillRef idx="1">
+            <a:schemeClr val="accent6"/>
+          </a:fillRef>
+          <a:effectRef idx="0">
+            <a:schemeClr val="accent6"/>
+          </a:effectRef>
+          <a:fontRef idx="minor">
+            <a:schemeClr val="lt1"/>
+          </a:fontRef>
+        </p:style>
+        <p:txBody>
+          <a:bodyPr rtlCol="0" anchor="ctr"/>
+          <a:lstStyle/>
+          <a:p>
+            <a:pPr algn="ctr"/>
+            <a:r>
+              <a:rPr lang="en-US" dirty="0"/>
+              <a:t>Other Worker Service</a:t>
+            </a:r>
+          </a:p>
+        </p:txBody>
+      </p:sp>
+      <p:cxnSp>
+        <p:nvCxnSpPr>
+          <p:cNvPr id="7" name="Straight Arrow Connector 6">
+            <a:extLst>
+              <a:ext uri="{FF2B5EF4-FFF2-40B4-BE49-F238E27FC236}">
+                <a16:creationId xmlns:a16="http://schemas.microsoft.com/office/drawing/2014/main" id="{DC57C76D-34A9-40BA-92D1-4340DAF37561}"/>
+              </a:ext>
+            </a:extLst>
+          </p:cNvPr>
+          <p:cNvCxnSpPr>
+            <a:stCxn id="3" idx="3"/>
+            <a:endCxn id="4" idx="1"/>
+          </p:cNvCxnSpPr>
+          <p:nvPr/>
+        </p:nvCxnSpPr>
+        <p:spPr>
+          <a:xfrm>
+            <a:off x="2624360" y="2282916"/>
+            <a:ext cx="2490121" cy="0"/>
+          </a:xfrm>
+          <a:prstGeom prst="straightConnector1">
+            <a:avLst/>
+          </a:prstGeom>
+          <a:ln w="38100" cap="flat" cmpd="sng" algn="ctr">
+            <a:solidFill>
+              <a:schemeClr val="dk1"/>
+            </a:solidFill>
+            <a:prstDash val="solid"/>
+            <a:round/>
+            <a:headEnd type="arrow" w="med" len="med"/>
+            <a:tailEnd type="arrow" w="med" len="med"/>
+          </a:ln>
+        </p:spPr>
+        <p:style>
+          <a:lnRef idx="0">
+            <a:scrgbClr r="0" g="0" b="0"/>
+          </a:lnRef>
+          <a:fillRef idx="0">
+            <a:scrgbClr r="0" g="0" b="0"/>
+          </a:fillRef>
+          <a:effectRef idx="0">
+            <a:scrgbClr r="0" g="0" b="0"/>
+          </a:effectRef>
+          <a:fontRef idx="minor">
+            <a:schemeClr val="tx1"/>
+          </a:fontRef>
+        </p:style>
+      </p:cxnSp>
+      <p:cxnSp>
+        <p:nvCxnSpPr>
+          <p:cNvPr id="8" name="Straight Arrow Connector 7">
+            <a:extLst>
+              <a:ext uri="{FF2B5EF4-FFF2-40B4-BE49-F238E27FC236}">
+                <a16:creationId xmlns:a16="http://schemas.microsoft.com/office/drawing/2014/main" id="{CC214570-C7E8-4681-93E5-42C99EAA7169}"/>
+              </a:ext>
+            </a:extLst>
+          </p:cNvPr>
+          <p:cNvCxnSpPr>
+            <a:cxnSpLocks/>
+            <a:stCxn id="4" idx="3"/>
+            <a:endCxn id="5" idx="1"/>
+          </p:cNvCxnSpPr>
+          <p:nvPr/>
+        </p:nvCxnSpPr>
+        <p:spPr>
+          <a:xfrm>
+            <a:off x="6791671" y="2282916"/>
+            <a:ext cx="2454982" cy="0"/>
+          </a:xfrm>
+          <a:prstGeom prst="straightConnector1">
+            <a:avLst/>
+          </a:prstGeom>
+          <a:ln w="38100" cap="flat" cmpd="sng" algn="ctr">
+            <a:solidFill>
+              <a:schemeClr val="dk1"/>
+            </a:solidFill>
+            <a:prstDash val="solid"/>
+            <a:round/>
+            <a:headEnd type="arrow" w="med" len="med"/>
+            <a:tailEnd type="arrow" w="med" len="med"/>
+          </a:ln>
+        </p:spPr>
+        <p:style>
+          <a:lnRef idx="0">
+            <a:scrgbClr r="0" g="0" b="0"/>
+          </a:lnRef>
+          <a:fillRef idx="0">
+            <a:scrgbClr r="0" g="0" b="0"/>
+          </a:fillRef>
+          <a:effectRef idx="0">
+            <a:scrgbClr r="0" g="0" b="0"/>
+          </a:effectRef>
+          <a:fontRef idx="minor">
+            <a:schemeClr val="tx1"/>
+          </a:fontRef>
+        </p:style>
+      </p:cxnSp>
+      <p:grpSp>
+        <p:nvGrpSpPr>
+          <p:cNvPr id="11" name="Group 10">
+            <a:extLst>
+              <a:ext uri="{FF2B5EF4-FFF2-40B4-BE49-F238E27FC236}">
+                <a16:creationId xmlns:a16="http://schemas.microsoft.com/office/drawing/2014/main" id="{D6D47B53-8CB1-43EA-8176-26AF64AFB94B}"/>
+              </a:ext>
+            </a:extLst>
+          </p:cNvPr>
+          <p:cNvGrpSpPr/>
+          <p:nvPr>
+            <p:custDataLst>
+              <p:tags r:id="rId1"/>
+            </p:custDataLst>
+          </p:nvPr>
+        </p:nvGrpSpPr>
+        <p:grpSpPr>
+          <a:xfrm>
+            <a:off x="8513544" y="2623447"/>
+            <a:ext cx="618146" cy="381000"/>
+            <a:chOff x="838200" y="3886200"/>
+            <a:chExt cx="914400" cy="609600"/>
+          </a:xfrm>
+        </p:grpSpPr>
+        <p:sp>
+          <p:nvSpPr>
+            <p:cNvPr id="12" name="Rectangle 11">
+              <a:extLst>
+                <a:ext uri="{FF2B5EF4-FFF2-40B4-BE49-F238E27FC236}">
+                  <a16:creationId xmlns:a16="http://schemas.microsoft.com/office/drawing/2014/main" id="{F6F3DE86-3DBF-4FD6-B57C-BF2928F390F1}"/>
+                </a:ext>
+              </a:extLst>
+            </p:cNvPr>
+            <p:cNvSpPr/>
+            <p:nvPr/>
+          </p:nvSpPr>
+          <p:spPr>
+            <a:xfrm>
+              <a:off x="838200" y="3886200"/>
+              <a:ext cx="914400" cy="609600"/>
+            </a:xfrm>
+            <a:prstGeom prst="rect">
+              <a:avLst/>
+            </a:prstGeom>
+            <a:gradFill>
+              <a:gsLst>
+                <a:gs pos="100000">
+                  <a:schemeClr val="tx1">
+                    <a:lumMod val="50000"/>
+                    <a:lumOff val="50000"/>
+                  </a:schemeClr>
+                </a:gs>
+                <a:gs pos="48000">
+                  <a:schemeClr val="accent1">
+                    <a:tint val="44500"/>
+                    <a:satMod val="160000"/>
+                  </a:schemeClr>
+                </a:gs>
+                <a:gs pos="0">
+                  <a:schemeClr val="accent1">
+                    <a:tint val="23500"/>
+                    <a:satMod val="160000"/>
+                  </a:schemeClr>
+                </a:gs>
+              </a:gsLst>
+              <a:path path="circle">
+                <a:fillToRect l="50000" t="50000" r="50000" b="50000"/>
+              </a:path>
+            </a:gradFill>
+            <a:ln w="12700">
+              <a:solidFill>
+                <a:schemeClr val="tx1"/>
+              </a:solidFill>
+            </a:ln>
+          </p:spPr>
+          <p:style>
+            <a:lnRef idx="2">
+              <a:schemeClr val="accent1">
+                <a:shade val="50000"/>
+              </a:schemeClr>
+            </a:lnRef>
+            <a:fillRef idx="1">
+              <a:schemeClr val="accent1"/>
+            </a:fillRef>
+            <a:effectRef idx="0">
+              <a:schemeClr val="accent1"/>
+            </a:effectRef>
+            <a:fontRef idx="minor">
+              <a:schemeClr val="lt1"/>
+            </a:fontRef>
+          </p:style>
+          <p:txBody>
+            <a:bodyPr rtlCol="0" anchor="ctr"/>
+            <a:lstStyle/>
+            <a:p>
+              <a:pPr algn="ctr"/>
+              <a:endParaRPr lang="en-US"/>
+            </a:p>
+          </p:txBody>
+        </p:sp>
+        <p:sp>
+          <p:nvSpPr>
+            <p:cNvPr id="13" name="Isosceles Triangle 12">
+              <a:extLst>
+                <a:ext uri="{FF2B5EF4-FFF2-40B4-BE49-F238E27FC236}">
+                  <a16:creationId xmlns:a16="http://schemas.microsoft.com/office/drawing/2014/main" id="{6C7B53B0-A8D2-4D10-A698-4D84821DEB87}"/>
+                </a:ext>
+              </a:extLst>
+            </p:cNvPr>
+            <p:cNvSpPr/>
+            <p:nvPr/>
+          </p:nvSpPr>
+          <p:spPr>
+            <a:xfrm>
+              <a:off x="838200" y="4114800"/>
+              <a:ext cx="914400" cy="381000"/>
+            </a:xfrm>
+            <a:prstGeom prst="triangle">
+              <a:avLst/>
+            </a:prstGeom>
+            <a:noFill/>
+            <a:ln w="12700">
+              <a:solidFill>
+                <a:schemeClr val="tx1"/>
+              </a:solidFill>
+            </a:ln>
+          </p:spPr>
+          <p:style>
+            <a:lnRef idx="2">
+              <a:schemeClr val="accent1">
+                <a:shade val="50000"/>
+              </a:schemeClr>
+            </a:lnRef>
+            <a:fillRef idx="1">
+              <a:schemeClr val="accent1"/>
+            </a:fillRef>
+            <a:effectRef idx="0">
+              <a:schemeClr val="accent1"/>
+            </a:effectRef>
+            <a:fontRef idx="minor">
+              <a:schemeClr val="lt1"/>
+            </a:fontRef>
+          </p:style>
+          <p:txBody>
+            <a:bodyPr rtlCol="0" anchor="ctr"/>
+            <a:lstStyle/>
+            <a:p>
+              <a:pPr algn="ctr"/>
+              <a:endParaRPr lang="en-US"/>
+            </a:p>
+          </p:txBody>
+        </p:sp>
+        <p:sp>
+          <p:nvSpPr>
+            <p:cNvPr id="14" name="Isosceles Triangle 13">
+              <a:extLst>
+                <a:ext uri="{FF2B5EF4-FFF2-40B4-BE49-F238E27FC236}">
+                  <a16:creationId xmlns:a16="http://schemas.microsoft.com/office/drawing/2014/main" id="{2E3B5631-67DA-4008-8DD9-22D719044BFE}"/>
+                </a:ext>
+              </a:extLst>
+            </p:cNvPr>
+            <p:cNvSpPr/>
+            <p:nvPr/>
+          </p:nvSpPr>
+          <p:spPr>
+            <a:xfrm rot="10800000">
+              <a:off x="838200" y="3886200"/>
+              <a:ext cx="914400" cy="381000"/>
+            </a:xfrm>
+            <a:prstGeom prst="triangle">
+              <a:avLst/>
+            </a:prstGeom>
+            <a:gradFill flip="none" rotWithShape="1">
+              <a:gsLst>
+                <a:gs pos="100000">
+                  <a:schemeClr val="bg1">
+                    <a:lumMod val="85000"/>
+                  </a:schemeClr>
+                </a:gs>
+                <a:gs pos="48000">
+                  <a:schemeClr val="accent1">
+                    <a:tint val="44500"/>
+                    <a:satMod val="160000"/>
+                  </a:schemeClr>
+                </a:gs>
+                <a:gs pos="0">
+                  <a:schemeClr val="accent1">
+                    <a:tint val="23500"/>
+                    <a:satMod val="160000"/>
+                  </a:schemeClr>
+                </a:gs>
+              </a:gsLst>
+              <a:lin ang="16200000" scaled="1"/>
+              <a:tileRect/>
+            </a:gradFill>
+            <a:ln w="12700">
+              <a:solidFill>
+                <a:schemeClr val="tx1"/>
+              </a:solidFill>
+            </a:ln>
+          </p:spPr>
+          <p:style>
+            <a:lnRef idx="2">
+              <a:schemeClr val="accent1">
+                <a:shade val="50000"/>
+              </a:schemeClr>
+            </a:lnRef>
+            <a:fillRef idx="1">
+              <a:schemeClr val="accent1"/>
+            </a:fillRef>
+            <a:effectRef idx="0">
+              <a:schemeClr val="accent1"/>
+            </a:effectRef>
+            <a:fontRef idx="minor">
+              <a:schemeClr val="lt1"/>
+            </a:fontRef>
+          </p:style>
+          <p:txBody>
+            <a:bodyPr rtlCol="0" anchor="ctr"/>
+            <a:lstStyle/>
+            <a:p>
+              <a:pPr algn="ctr"/>
+              <a:endParaRPr lang="en-US"/>
+            </a:p>
+          </p:txBody>
+        </p:sp>
+      </p:grpSp>
+      <p:cxnSp>
+        <p:nvCxnSpPr>
+          <p:cNvPr id="22" name="Straight Arrow Connector 21">
+            <a:extLst>
+              <a:ext uri="{FF2B5EF4-FFF2-40B4-BE49-F238E27FC236}">
+                <a16:creationId xmlns:a16="http://schemas.microsoft.com/office/drawing/2014/main" id="{252EDC05-C990-4020-A5A4-7E066C023AD5}"/>
+              </a:ext>
+            </a:extLst>
+          </p:cNvPr>
+          <p:cNvCxnSpPr>
+            <a:cxnSpLocks/>
+            <a:stCxn id="3" idx="2"/>
+            <a:endCxn id="3074" idx="1"/>
+          </p:cNvCxnSpPr>
+          <p:nvPr/>
+        </p:nvCxnSpPr>
+        <p:spPr>
+          <a:xfrm>
+            <a:off x="1785765" y="2875144"/>
+            <a:ext cx="3579821" cy="1334975"/>
+          </a:xfrm>
+          <a:prstGeom prst="straightConnector1">
+            <a:avLst/>
+          </a:prstGeom>
+          <a:ln w="38100" cap="flat" cmpd="sng" algn="ctr">
+            <a:solidFill>
+              <a:schemeClr val="dk1"/>
+            </a:solidFill>
+            <a:prstDash val="solid"/>
+            <a:round/>
+            <a:headEnd type="none" w="med" len="med"/>
+            <a:tailEnd type="arrow" w="med" len="med"/>
+          </a:ln>
+        </p:spPr>
+        <p:style>
+          <a:lnRef idx="0">
+            <a:scrgbClr r="0" g="0" b="0"/>
+          </a:lnRef>
+          <a:fillRef idx="0">
+            <a:scrgbClr r="0" g="0" b="0"/>
+          </a:fillRef>
+          <a:effectRef idx="0">
+            <a:scrgbClr r="0" g="0" b="0"/>
+          </a:effectRef>
+          <a:fontRef idx="minor">
+            <a:schemeClr val="tx1"/>
+          </a:fontRef>
+        </p:style>
+      </p:cxnSp>
+      <p:cxnSp>
+        <p:nvCxnSpPr>
+          <p:cNvPr id="26" name="Straight Arrow Connector 25">
+            <a:extLst>
+              <a:ext uri="{FF2B5EF4-FFF2-40B4-BE49-F238E27FC236}">
+                <a16:creationId xmlns:a16="http://schemas.microsoft.com/office/drawing/2014/main" id="{2DFBCA20-86F8-4373-908F-63D42B2C0489}"/>
+              </a:ext>
+            </a:extLst>
+          </p:cNvPr>
+          <p:cNvCxnSpPr>
+            <a:cxnSpLocks/>
+            <a:stCxn id="4" idx="2"/>
+            <a:endCxn id="3074" idx="0"/>
+          </p:cNvCxnSpPr>
+          <p:nvPr/>
+        </p:nvCxnSpPr>
+        <p:spPr>
+          <a:xfrm>
+            <a:off x="5953076" y="2875144"/>
+            <a:ext cx="4738" cy="742747"/>
+          </a:xfrm>
+          <a:prstGeom prst="straightConnector1">
+            <a:avLst/>
+          </a:prstGeom>
+          <a:ln w="38100" cap="flat" cmpd="sng" algn="ctr">
+            <a:solidFill>
+              <a:schemeClr val="dk1"/>
+            </a:solidFill>
+            <a:prstDash val="solid"/>
+            <a:round/>
+            <a:headEnd type="none" w="med" len="med"/>
+            <a:tailEnd type="arrow" w="med" len="med"/>
+          </a:ln>
+        </p:spPr>
+        <p:style>
+          <a:lnRef idx="0">
+            <a:scrgbClr r="0" g="0" b="0"/>
+          </a:lnRef>
+          <a:fillRef idx="0">
+            <a:scrgbClr r="0" g="0" b="0"/>
+          </a:fillRef>
+          <a:effectRef idx="0">
+            <a:scrgbClr r="0" g="0" b="0"/>
+          </a:effectRef>
+          <a:fontRef idx="minor">
+            <a:schemeClr val="tx1"/>
+          </a:fontRef>
+        </p:style>
+      </p:cxnSp>
+      <p:cxnSp>
+        <p:nvCxnSpPr>
+          <p:cNvPr id="31" name="Straight Arrow Connector 30">
+            <a:extLst>
+              <a:ext uri="{FF2B5EF4-FFF2-40B4-BE49-F238E27FC236}">
+                <a16:creationId xmlns:a16="http://schemas.microsoft.com/office/drawing/2014/main" id="{20673CC6-57B6-430E-9FC1-6F497C2D39FB}"/>
+              </a:ext>
+            </a:extLst>
+          </p:cNvPr>
+          <p:cNvCxnSpPr>
+            <a:cxnSpLocks/>
+            <a:stCxn id="5" idx="2"/>
+            <a:endCxn id="3074" idx="3"/>
+          </p:cNvCxnSpPr>
+          <p:nvPr/>
+        </p:nvCxnSpPr>
+        <p:spPr>
+          <a:xfrm flipH="1">
+            <a:off x="6550042" y="2875144"/>
+            <a:ext cx="3535206" cy="1334975"/>
+          </a:xfrm>
+          <a:prstGeom prst="straightConnector1">
+            <a:avLst/>
+          </a:prstGeom>
+          <a:ln w="38100" cap="flat" cmpd="sng" algn="ctr">
+            <a:solidFill>
+              <a:schemeClr val="dk1"/>
+            </a:solidFill>
+            <a:prstDash val="solid"/>
+            <a:round/>
+            <a:headEnd type="none" w="med" len="med"/>
+            <a:tailEnd type="arrow" w="med" len="med"/>
+          </a:ln>
+        </p:spPr>
+        <p:style>
+          <a:lnRef idx="0">
+            <a:scrgbClr r="0" g="0" b="0"/>
+          </a:lnRef>
+          <a:fillRef idx="0">
+            <a:scrgbClr r="0" g="0" b="0"/>
+          </a:fillRef>
+          <a:effectRef idx="0">
+            <a:scrgbClr r="0" g="0" b="0"/>
+          </a:effectRef>
+          <a:fontRef idx="minor">
+            <a:schemeClr val="tx1"/>
+          </a:fontRef>
+        </p:style>
+      </p:cxnSp>
+      <p:pic>
+        <p:nvPicPr>
+          <p:cNvPr id="2050" name="Picture 2" descr="Jaeger: open source, end-to-end distributed tracing">
+            <a:extLst>
+              <a:ext uri="{FF2B5EF4-FFF2-40B4-BE49-F238E27FC236}">
+                <a16:creationId xmlns:a16="http://schemas.microsoft.com/office/drawing/2014/main" id="{F7117AFC-7950-46B8-81F9-A1EF3DBC288E}"/>
+              </a:ext>
+            </a:extLst>
+          </p:cNvPr>
+          <p:cNvPicPr>
+            <a:picLocks noChangeAspect="1" noChangeArrowheads="1"/>
+          </p:cNvPicPr>
+          <p:nvPr/>
+        </p:nvPicPr>
+        <p:blipFill>
+          <a:blip r:embed="rId3" cstate="print">
+            <a:extLst>
+              <a:ext uri="{28A0092B-C50C-407E-A947-70E740481C1C}">
+                <a14:useLocalDpi xmlns:a14="http://schemas.microsoft.com/office/drawing/2010/main" val="0"/>
+              </a:ext>
+            </a:extLst>
+          </a:blip>
+          <a:srcRect/>
+          <a:stretch>
+            <a:fillRect/>
+          </a:stretch>
+        </p:blipFill>
+        <p:spPr bwMode="auto">
+          <a:xfrm>
+            <a:off x="7346617" y="5216344"/>
+            <a:ext cx="1388746" cy="1388746"/>
+          </a:xfrm>
+          <a:prstGeom prst="rect">
+            <a:avLst/>
+          </a:prstGeom>
+          <a:noFill/>
+          <a:extLst>
+            <a:ext uri="{909E8E84-426E-40DD-AFC4-6F175D3DCCD1}">
+              <a14:hiddenFill xmlns:a14="http://schemas.microsoft.com/office/drawing/2010/main">
+                <a:solidFill>
+                  <a:srgbClr val="FFFFFF"/>
+                </a:solidFill>
+              </a14:hiddenFill>
+            </a:ext>
+          </a:extLst>
+        </p:spPr>
+      </p:pic>
+      <p:pic>
+        <p:nvPicPr>
+          <p:cNvPr id="3074" name="Picture 2" descr="CNCF Branding | OpenTelemetry">
+            <a:extLst>
+              <a:ext uri="{FF2B5EF4-FFF2-40B4-BE49-F238E27FC236}">
+                <a16:creationId xmlns:a16="http://schemas.microsoft.com/office/drawing/2014/main" id="{6B1F997D-1A69-466B-8798-DDA1F2D4D552}"/>
+              </a:ext>
+            </a:extLst>
+          </p:cNvPr>
+          <p:cNvPicPr>
+            <a:picLocks noChangeAspect="1" noChangeArrowheads="1"/>
+          </p:cNvPicPr>
+          <p:nvPr/>
+        </p:nvPicPr>
+        <p:blipFill>
+          <a:blip r:embed="rId4">
+            <a:extLst>
+              <a:ext uri="{28A0092B-C50C-407E-A947-70E740481C1C}">
+                <a14:useLocalDpi xmlns:a14="http://schemas.microsoft.com/office/drawing/2010/main" val="0"/>
+              </a:ext>
+            </a:extLst>
+          </a:blip>
+          <a:srcRect/>
+          <a:stretch>
+            <a:fillRect/>
+          </a:stretch>
+        </p:blipFill>
+        <p:spPr bwMode="auto">
+          <a:xfrm>
+            <a:off x="5365586" y="3617891"/>
+            <a:ext cx="1184456" cy="1184456"/>
+          </a:xfrm>
+          <a:prstGeom prst="rect">
+            <a:avLst/>
+          </a:prstGeom>
+          <a:noFill/>
+          <a:extLst>
+            <a:ext uri="{909E8E84-426E-40DD-AFC4-6F175D3DCCD1}">
+              <a14:hiddenFill xmlns:a14="http://schemas.microsoft.com/office/drawing/2010/main">
+                <a:solidFill>
+                  <a:srgbClr val="FFFFFF"/>
+                </a:solidFill>
+              </a14:hiddenFill>
+            </a:ext>
+          </a:extLst>
+        </p:spPr>
+      </p:pic>
+      <p:pic>
+        <p:nvPicPr>
+          <p:cNvPr id="27" name="Picture 2" descr="OpenZipkin · A distributed tracing system">
+            <a:extLst>
+              <a:ext uri="{FF2B5EF4-FFF2-40B4-BE49-F238E27FC236}">
+                <a16:creationId xmlns:a16="http://schemas.microsoft.com/office/drawing/2014/main" id="{C15ABA3A-B1E4-4539-9833-7196B1F5C85F}"/>
+              </a:ext>
+            </a:extLst>
+          </p:cNvPr>
+          <p:cNvPicPr>
+            <a:picLocks noChangeAspect="1" noChangeArrowheads="1"/>
+          </p:cNvPicPr>
+          <p:nvPr/>
+        </p:nvPicPr>
+        <p:blipFill>
+          <a:blip r:embed="rId5" cstate="print">
+            <a:extLst>
+              <a:ext uri="{28A0092B-C50C-407E-A947-70E740481C1C}">
+                <a14:useLocalDpi xmlns:a14="http://schemas.microsoft.com/office/drawing/2010/main" val="0"/>
+              </a:ext>
+            </a:extLst>
+          </a:blip>
+          <a:srcRect/>
+          <a:stretch>
+            <a:fillRect/>
+          </a:stretch>
+        </p:blipFill>
+        <p:spPr bwMode="auto">
+          <a:xfrm>
+            <a:off x="3206350" y="5177103"/>
+            <a:ext cx="1234577" cy="1467228"/>
+          </a:xfrm>
+          <a:prstGeom prst="rect">
+            <a:avLst/>
+          </a:prstGeom>
+          <a:noFill/>
+          <a:extLst>
+            <a:ext uri="{909E8E84-426E-40DD-AFC4-6F175D3DCCD1}">
+              <a14:hiddenFill xmlns:a14="http://schemas.microsoft.com/office/drawing/2010/main">
+                <a:solidFill>
+                  <a:srgbClr val="FFFFFF"/>
+                </a:solidFill>
+              </a14:hiddenFill>
+            </a:ext>
+          </a:extLst>
+        </p:spPr>
+      </p:pic>
+      <p:cxnSp>
+        <p:nvCxnSpPr>
+          <p:cNvPr id="28" name="Straight Arrow Connector 27">
+            <a:extLst>
+              <a:ext uri="{FF2B5EF4-FFF2-40B4-BE49-F238E27FC236}">
+                <a16:creationId xmlns:a16="http://schemas.microsoft.com/office/drawing/2014/main" id="{DEA18B19-FE82-4992-A2A1-CB778074C785}"/>
+              </a:ext>
+            </a:extLst>
+          </p:cNvPr>
+          <p:cNvCxnSpPr>
+            <a:cxnSpLocks/>
+            <a:stCxn id="3074" idx="2"/>
+            <a:endCxn id="27" idx="3"/>
+          </p:cNvCxnSpPr>
+          <p:nvPr/>
+        </p:nvCxnSpPr>
+        <p:spPr>
+          <a:xfrm flipH="1">
+            <a:off x="4440927" y="4802347"/>
+            <a:ext cx="1516887" cy="1108370"/>
+          </a:xfrm>
+          <a:prstGeom prst="straightConnector1">
+            <a:avLst/>
+          </a:prstGeom>
+          <a:ln w="38100" cap="flat" cmpd="sng" algn="ctr">
+            <a:solidFill>
+              <a:schemeClr val="dk1"/>
+            </a:solidFill>
+            <a:prstDash val="solid"/>
+            <a:round/>
+            <a:headEnd type="none" w="med" len="med"/>
+            <a:tailEnd type="arrow" w="med" len="med"/>
+          </a:ln>
+        </p:spPr>
+        <p:style>
+          <a:lnRef idx="0">
+            <a:scrgbClr r="0" g="0" b="0"/>
+          </a:lnRef>
+          <a:fillRef idx="0">
+            <a:scrgbClr r="0" g="0" b="0"/>
+          </a:fillRef>
+          <a:effectRef idx="0">
+            <a:scrgbClr r="0" g="0" b="0"/>
+          </a:effectRef>
+          <a:fontRef idx="minor">
+            <a:schemeClr val="tx1"/>
+          </a:fontRef>
+        </p:style>
+      </p:cxnSp>
+      <p:cxnSp>
+        <p:nvCxnSpPr>
+          <p:cNvPr id="32" name="Straight Arrow Connector 31">
+            <a:extLst>
+              <a:ext uri="{FF2B5EF4-FFF2-40B4-BE49-F238E27FC236}">
+                <a16:creationId xmlns:a16="http://schemas.microsoft.com/office/drawing/2014/main" id="{1F647819-9A50-4E44-9EB9-E7532BAB6B7E}"/>
+              </a:ext>
+            </a:extLst>
+          </p:cNvPr>
+          <p:cNvCxnSpPr>
+            <a:cxnSpLocks/>
+            <a:stCxn id="3074" idx="2"/>
+            <a:endCxn id="2050" idx="1"/>
+          </p:cNvCxnSpPr>
+          <p:nvPr/>
+        </p:nvCxnSpPr>
+        <p:spPr>
+          <a:xfrm>
+            <a:off x="5957814" y="4802347"/>
+            <a:ext cx="1388803" cy="1108370"/>
+          </a:xfrm>
+          <a:prstGeom prst="straightConnector1">
+            <a:avLst/>
+          </a:prstGeom>
+          <a:ln w="38100" cap="flat" cmpd="sng" algn="ctr">
+            <a:solidFill>
+              <a:schemeClr val="dk1"/>
+            </a:solidFill>
+            <a:prstDash val="solid"/>
+            <a:round/>
+            <a:headEnd type="none" w="med" len="med"/>
+            <a:tailEnd type="arrow" w="med" len="med"/>
+          </a:ln>
+        </p:spPr>
+        <p:style>
+          <a:lnRef idx="0">
+            <a:scrgbClr r="0" g="0" b="0"/>
+          </a:lnRef>
+          <a:fillRef idx="0">
+            <a:scrgbClr r="0" g="0" b="0"/>
+          </a:fillRef>
+          <a:effectRef idx="0">
+            <a:scrgbClr r="0" g="0" b="0"/>
+          </a:effectRef>
+          <a:fontRef idx="minor">
+            <a:schemeClr val="tx1"/>
+          </a:fontRef>
+        </p:style>
+      </p:cxnSp>
+    </p:spTree>
+    <p:extLst>
+      <p:ext uri="{BB962C8B-B14F-4D97-AF65-F5344CB8AC3E}">
+        <p14:creationId xmlns:p14="http://schemas.microsoft.com/office/powerpoint/2010/main" val="1251624280"/>
+      </p:ext>
+    </p:extLst>
+  </p:cSld>
+  <p:clrMapOvr>
+    <a:masterClrMapping/>
+  </p:clrMapOvr>
+</p:sld>
+</file>
+
 <file path=ppt/slides/slide8.xml><?xml version="1.0" encoding="utf-8"?>
 <p:sld xmlns:a="http://schemas.openxmlformats.org/drawingml/2006/main" xmlns:r="http://schemas.openxmlformats.org/officeDocument/2006/relationships" xmlns:p="http://schemas.openxmlformats.org/presentationml/2006/main">
   <p:cSld>
@@ -8920,130 +12073,272 @@
       </p:grpSpPr>
       <p:sp>
         <p:nvSpPr>
-          <p:cNvPr id="2" name="Title 1"/>
+          <p:cNvPr id="2" name="Title 1">
+            <a:extLst>
+              <a:ext uri="{FF2B5EF4-FFF2-40B4-BE49-F238E27FC236}">
+                <a16:creationId xmlns:a16="http://schemas.microsoft.com/office/drawing/2014/main" id="{89EA7D2D-40ED-DC5D-B445-3F8F57837024}"/>
+              </a:ext>
+            </a:extLst>
+          </p:cNvPr>
           <p:cNvSpPr>
             <a:spLocks noGrp="1"/>
           </p:cNvSpPr>
           <p:nvPr>
-            <p:ph type="ctrTitle"/>
-            <p:custDataLst>
-              <p:tags r:id="rId2"/>
-            </p:custDataLst>
+            <p:ph type="title"/>
           </p:nvPr>
         </p:nvSpPr>
-        <p:spPr>
-          <a:xfrm>
-            <a:off x="1202957" y="450347"/>
-            <a:ext cx="9786086" cy="2387600"/>
-          </a:xfrm>
-        </p:spPr>
-        <p:txBody>
-          <a:bodyPr anchor="ctr">
-            <a:noAutofit/>
-          </a:bodyPr>
+        <p:spPr/>
+        <p:txBody>
+          <a:bodyPr/>
           <a:lstStyle/>
           <a:p>
             <a:r>
-              <a:rPr lang="en-US" sz="6600" dirty="0">
-                <a:solidFill>
-                  <a:prstClr val="black"/>
-                </a:solidFill>
-              </a:rPr>
-              <a:t>Observability Made Easy with .NET 6 and </a:t>
-            </a:r>
-            <a:r>
-              <a:rPr lang="en-US" sz="6600" dirty="0" err="1">
-                <a:solidFill>
-                  <a:prstClr val="black"/>
-                </a:solidFill>
-              </a:rPr>
+              <a:rPr lang="en-US" dirty="0" err="1"/>
               <a:t>OpenTelemetry</a:t>
             </a:r>
-            <a:endParaRPr lang="en-US" sz="4800" dirty="0"/>
-          </a:p>
-        </p:txBody>
-      </p:sp>
-      <p:sp>
-        <p:nvSpPr>
-          <p:cNvPr id="3" name="Subtitle 2"/>
+            <a:r>
+              <a:rPr lang="en-US" dirty="0"/>
+              <a:t> in .NET</a:t>
+            </a:r>
+          </a:p>
+        </p:txBody>
+      </p:sp>
+      <p:sp>
+        <p:nvSpPr>
+          <p:cNvPr id="4" name="Content Placeholder 3">
+            <a:extLst>
+              <a:ext uri="{FF2B5EF4-FFF2-40B4-BE49-F238E27FC236}">
+                <a16:creationId xmlns:a16="http://schemas.microsoft.com/office/drawing/2014/main" id="{9BA1AD25-3F92-3E8F-3F96-9B2041B33B39}"/>
+              </a:ext>
+            </a:extLst>
+          </p:cNvPr>
           <p:cNvSpPr>
             <a:spLocks noGrp="1"/>
           </p:cNvSpPr>
           <p:nvPr>
-            <p:ph type="subTitle" idx="1"/>
-            <p:custDataLst>
-              <p:tags r:id="rId3"/>
-            </p:custDataLst>
+            <p:ph idx="1"/>
           </p:nvPr>
         </p:nvSpPr>
+        <p:spPr/>
+        <p:txBody>
+          <a:bodyPr/>
+          <a:lstStyle/>
+          <a:p>
+            <a:r>
+              <a:rPr lang="en-US" dirty="0"/>
+              <a:t>Logging – </a:t>
+            </a:r>
+            <a:r>
+              <a:rPr lang="en-US" dirty="0" err="1"/>
+              <a:t>Microsoft.Extensions.Logging</a:t>
+            </a:r>
+            <a:endParaRPr lang="en-US" dirty="0"/>
+          </a:p>
+          <a:p>
+            <a:endParaRPr lang="en-US" dirty="0"/>
+          </a:p>
+          <a:p>
+            <a:r>
+              <a:rPr lang="en-US" dirty="0"/>
+              <a:t>Tracing – </a:t>
+            </a:r>
+            <a:r>
+              <a:rPr lang="en-US" dirty="0" err="1"/>
+              <a:t>System.Diagnostics.DiagnosticSource</a:t>
+            </a:r>
+            <a:endParaRPr lang="en-US" dirty="0"/>
+          </a:p>
+          <a:p>
+            <a:endParaRPr lang="en-US" dirty="0"/>
+          </a:p>
+          <a:p>
+            <a:r>
+              <a:rPr lang="en-US" dirty="0"/>
+              <a:t>Metrics – </a:t>
+            </a:r>
+            <a:r>
+              <a:rPr lang="en-US" dirty="0" err="1"/>
+              <a:t>System.Diagnostics.DiagnosticSource</a:t>
+            </a:r>
+            <a:endParaRPr lang="en-US" dirty="0"/>
+          </a:p>
+        </p:txBody>
+      </p:sp>
+      <p:sp>
+        <p:nvSpPr>
+          <p:cNvPr id="3" name="Date Placeholder 2">
+            <a:extLst>
+              <a:ext uri="{FF2B5EF4-FFF2-40B4-BE49-F238E27FC236}">
+                <a16:creationId xmlns:a16="http://schemas.microsoft.com/office/drawing/2014/main" id="{B2C3C074-8509-A441-E26A-2A0ADDA8B2F4}"/>
+              </a:ext>
+            </a:extLst>
+          </p:cNvPr>
+          <p:cNvSpPr>
+            <a:spLocks noGrp="1"/>
+          </p:cNvSpPr>
+          <p:nvPr>
+            <p:ph type="dt" sz="half" idx="10"/>
+          </p:nvPr>
+        </p:nvSpPr>
+        <p:spPr/>
+        <p:txBody>
+          <a:bodyPr/>
+          <a:lstStyle/>
+          <a:p>
+            <a:r>
+              <a:rPr lang="en-US"/>
+              <a:t>@jbogard</a:t>
+            </a:r>
+            <a:endParaRPr lang="en-US" dirty="0"/>
+          </a:p>
+        </p:txBody>
+      </p:sp>
+      <p:pic>
+        <p:nvPicPr>
+          <p:cNvPr id="6" name="Picture 5">
+            <a:extLst>
+              <a:ext uri="{FF2B5EF4-FFF2-40B4-BE49-F238E27FC236}">
+                <a16:creationId xmlns:a16="http://schemas.microsoft.com/office/drawing/2014/main" id="{D0024893-8088-7A61-318E-51C325B382A6}"/>
+              </a:ext>
+            </a:extLst>
+          </p:cNvPr>
+          <p:cNvPicPr>
+            <a:picLocks noChangeAspect="1"/>
+          </p:cNvPicPr>
+          <p:nvPr/>
+        </p:nvPicPr>
+        <p:blipFill>
+          <a:blip r:embed="rId2"/>
+          <a:stretch>
+            <a:fillRect/>
+          </a:stretch>
+        </p:blipFill>
         <p:spPr>
           <a:xfrm>
-            <a:off x="582753" y="3296510"/>
-            <a:ext cx="10901732" cy="3674238"/>
+            <a:off x="4635164" y="4420055"/>
+            <a:ext cx="1897544" cy="2072820"/>
           </a:xfrm>
+          <a:prstGeom prst="rect">
+            <a:avLst/>
+          </a:prstGeom>
         </p:spPr>
-        <p:txBody>
-          <a:bodyPr>
-            <a:normAutofit/>
-          </a:bodyPr>
-          <a:lstStyle/>
-          <a:p>
-            <a:r>
-              <a:rPr lang="en-US" sz="3200" dirty="0"/>
-              <a:t>Jimmy </a:t>
-            </a:r>
-            <a:r>
-              <a:rPr lang="en-US" sz="3200" dirty="0" err="1"/>
-              <a:t>Bogard</a:t>
-            </a:r>
-            <a:endParaRPr lang="en-US" sz="3200" dirty="0"/>
-          </a:p>
-          <a:p>
-            <a:r>
-              <a:rPr lang="en-US" sz="3200" dirty="0"/>
-              <a:t>@</a:t>
-            </a:r>
-            <a:r>
-              <a:rPr lang="en-US" sz="3200" dirty="0" err="1"/>
-              <a:t>jbogard</a:t>
-            </a:r>
-            <a:endParaRPr lang="en-US" sz="3200" dirty="0"/>
-          </a:p>
-          <a:p>
-            <a:r>
-              <a:rPr lang="en-US" sz="3200" dirty="0"/>
-              <a:t>github.com/</a:t>
-            </a:r>
-            <a:r>
-              <a:rPr lang="en-US" sz="3200" dirty="0" err="1"/>
-              <a:t>jbogard</a:t>
-            </a:r>
-            <a:endParaRPr lang="en-US" sz="3200" dirty="0"/>
-          </a:p>
-          <a:p>
-            <a:r>
-              <a:rPr lang="en-US" sz="3200" dirty="0"/>
-              <a:t>jimmybogard.com</a:t>
-            </a:r>
-          </a:p>
-          <a:p>
-            <a:endParaRPr lang="en-US" sz="3200" dirty="0"/>
-          </a:p>
-          <a:p>
-            <a:r>
-              <a:rPr lang="en-US" sz="3200" dirty="0"/>
-              <a:t>github.com/jbogard/presentations</a:t>
-            </a:r>
-          </a:p>
-        </p:txBody>
-      </p:sp>
+      </p:pic>
     </p:spTree>
-    <p:custDataLst>
-      <p:tags r:id="rId1"/>
-    </p:custDataLst>
     <p:extLst>
       <p:ext uri="{BB962C8B-B14F-4D97-AF65-F5344CB8AC3E}">
-        <p14:creationId xmlns:p14="http://schemas.microsoft.com/office/powerpoint/2010/main" val="2694960354"/>
+        <p14:creationId xmlns:p14="http://schemas.microsoft.com/office/powerpoint/2010/main" val="493195639"/>
+      </p:ext>
+    </p:extLst>
+  </p:cSld>
+  <p:clrMapOvr>
+    <a:masterClrMapping/>
+  </p:clrMapOvr>
+</p:sld>
+</file>
+
+<file path=ppt/slides/slide9.xml><?xml version="1.0" encoding="utf-8"?>
+<p:sld xmlns:a="http://schemas.openxmlformats.org/drawingml/2006/main" xmlns:r="http://schemas.openxmlformats.org/officeDocument/2006/relationships" xmlns:p="http://schemas.openxmlformats.org/presentationml/2006/main">
+  <p:cSld>
+    <p:spTree>
+      <p:nvGrpSpPr>
+        <p:cNvPr id="1" name=""/>
+        <p:cNvGrpSpPr/>
+        <p:nvPr/>
+      </p:nvGrpSpPr>
+      <p:grpSpPr>
+        <a:xfrm>
+          <a:off x="0" y="0"/>
+          <a:ext cx="0" cy="0"/>
+          <a:chOff x="0" y="0"/>
+          <a:chExt cx="0" cy="0"/>
+        </a:xfrm>
+      </p:grpSpPr>
+      <p:sp>
+        <p:nvSpPr>
+          <p:cNvPr id="2" name="Title 1">
+            <a:extLst>
+              <a:ext uri="{FF2B5EF4-FFF2-40B4-BE49-F238E27FC236}">
+                <a16:creationId xmlns:a16="http://schemas.microsoft.com/office/drawing/2014/main" id="{357AA427-836B-4693-9E2E-8BD5679CD517}"/>
+              </a:ext>
+            </a:extLst>
+          </p:cNvPr>
+          <p:cNvSpPr>
+            <a:spLocks noGrp="1"/>
+          </p:cNvSpPr>
+          <p:nvPr>
+            <p:ph type="title"/>
+          </p:nvPr>
+        </p:nvSpPr>
+        <p:spPr/>
+        <p:txBody>
+          <a:bodyPr/>
+          <a:lstStyle/>
+          <a:p>
+            <a:r>
+              <a:rPr lang="en-US" dirty="0"/>
+              <a:t>Demo</a:t>
+            </a:r>
+          </a:p>
+        </p:txBody>
+      </p:sp>
+      <p:sp>
+        <p:nvSpPr>
+          <p:cNvPr id="3" name="Text Placeholder 2">
+            <a:extLst>
+              <a:ext uri="{FF2B5EF4-FFF2-40B4-BE49-F238E27FC236}">
+                <a16:creationId xmlns:a16="http://schemas.microsoft.com/office/drawing/2014/main" id="{44AC1F72-1D54-4177-AB75-6D01B88E0801}"/>
+              </a:ext>
+            </a:extLst>
+          </p:cNvPr>
+          <p:cNvSpPr>
+            <a:spLocks noGrp="1"/>
+          </p:cNvSpPr>
+          <p:nvPr>
+            <p:ph type="body" idx="1"/>
+          </p:nvPr>
+        </p:nvSpPr>
+        <p:spPr/>
+        <p:txBody>
+          <a:bodyPr/>
+          <a:lstStyle/>
+          <a:p>
+            <a:endParaRPr lang="en-US" dirty="0"/>
+          </a:p>
+        </p:txBody>
+      </p:sp>
+      <p:sp>
+        <p:nvSpPr>
+          <p:cNvPr id="4" name="Date Placeholder 3">
+            <a:extLst>
+              <a:ext uri="{FF2B5EF4-FFF2-40B4-BE49-F238E27FC236}">
+                <a16:creationId xmlns:a16="http://schemas.microsoft.com/office/drawing/2014/main" id="{8EE7213A-32D4-4B0B-8A06-E553F7D262F0}"/>
+              </a:ext>
+            </a:extLst>
+          </p:cNvPr>
+          <p:cNvSpPr>
+            <a:spLocks noGrp="1"/>
+          </p:cNvSpPr>
+          <p:nvPr>
+            <p:ph type="dt" sz="half" idx="10"/>
+          </p:nvPr>
+        </p:nvSpPr>
+        <p:spPr/>
+        <p:txBody>
+          <a:bodyPr/>
+          <a:lstStyle/>
+          <a:p>
+            <a:r>
+              <a:rPr lang="en-US"/>
+              <a:t>@jbogard</a:t>
+            </a:r>
+            <a:endParaRPr lang="en-US" dirty="0"/>
+          </a:p>
+        </p:txBody>
+      </p:sp>
+    </p:spTree>
+    <p:extLst>
+      <p:ext uri="{BB962C8B-B14F-4D97-AF65-F5344CB8AC3E}">
+        <p14:creationId xmlns:p14="http://schemas.microsoft.com/office/powerpoint/2010/main" val="4169265656"/>
       </p:ext>
     </p:extLst>
   </p:cSld>
@@ -9067,17 +12362,35 @@
 
 <file path=ppt/tags/tag11.xml><?xml version="1.0" encoding="utf-8"?>
 <p:tagLst xmlns:a="http://schemas.openxmlformats.org/drawingml/2006/main" xmlns:r="http://schemas.openxmlformats.org/officeDocument/2006/relationships" xmlns:p="http://schemas.openxmlformats.org/presentationml/2006/main">
-  <p:tag name="DVSECTIONID" val="ULJKTtTuA1JYcmiIHNUWnZ"/>
+  <p:tag name="DVSHAPEID" val="o2g6hiBlR8M1kYgL5BzrFd"/>
 </p:tagLst>
 </file>
 
 <file path=ppt/tags/tag12.xml><?xml version="1.0" encoding="utf-8"?>
 <p:tagLst xmlns:a="http://schemas.openxmlformats.org/drawingml/2006/main" xmlns:r="http://schemas.openxmlformats.org/officeDocument/2006/relationships" xmlns:p="http://schemas.openxmlformats.org/presentationml/2006/main">
+  <p:tag name="DVSHAPEID" val="o2g6hiBlR8M1kYgL5BzrFd"/>
+</p:tagLst>
+</file>
+
+<file path=ppt/tags/tag13.xml><?xml version="1.0" encoding="utf-8"?>
+<p:tagLst xmlns:a="http://schemas.openxmlformats.org/drawingml/2006/main" xmlns:r="http://schemas.openxmlformats.org/officeDocument/2006/relationships" xmlns:p="http://schemas.openxmlformats.org/presentationml/2006/main">
+  <p:tag name="DVSHAPEID" val="o2g6hiBlR8M1kYgL5BzrFd"/>
+</p:tagLst>
+</file>
+
+<file path=ppt/tags/tag14.xml><?xml version="1.0" encoding="utf-8"?>
+<p:tagLst xmlns:a="http://schemas.openxmlformats.org/drawingml/2006/main" xmlns:r="http://schemas.openxmlformats.org/officeDocument/2006/relationships" xmlns:p="http://schemas.openxmlformats.org/presentationml/2006/main">
+  <p:tag name="DVSECTIONID" val="ULJKTtTuA1JYcmiIHNUWnZ"/>
+</p:tagLst>
+</file>
+
+<file path=ppt/tags/tag15.xml><?xml version="1.0" encoding="utf-8"?>
+<p:tagLst xmlns:a="http://schemas.openxmlformats.org/drawingml/2006/main" xmlns:r="http://schemas.openxmlformats.org/officeDocument/2006/relationships" xmlns:p="http://schemas.openxmlformats.org/presentationml/2006/main">
   <p:tag name="DVSHAPEID" val="0el361ATYxVn7CIhxUw3rP"/>
 </p:tagLst>
 </file>
 
-<file path=ppt/tags/tag13.xml><?xml version="1.0" encoding="utf-8"?>
+<file path=ppt/tags/tag16.xml><?xml version="1.0" encoding="utf-8"?>
 <p:tagLst xmlns:a="http://schemas.openxmlformats.org/drawingml/2006/main" xmlns:r="http://schemas.openxmlformats.org/officeDocument/2006/relationships" xmlns:p="http://schemas.openxmlformats.org/presentationml/2006/main">
   <p:tag name="DVSHAPEID" val="9GXR3BK6E2EUKvoPmRUH3b"/>
 </p:tagLst>
